--- a/演示文稿4.pptx
+++ b/演示文稿4.pptx
@@ -5,22 +5,22 @@
     <p:sldMasterId id="2147483648" r:id="rId1"/>
   </p:sldMasterIdLst>
   <p:sldIdLst>
-    <p:sldId id="257" r:id="rId3"/>
-    <p:sldId id="258" r:id="rId4"/>
-    <p:sldId id="267" r:id="rId5"/>
-    <p:sldId id="268" r:id="rId6"/>
-    <p:sldId id="269" r:id="rId7"/>
-    <p:sldId id="273" r:id="rId8"/>
-    <p:sldId id="270" r:id="rId9"/>
-    <p:sldId id="276" r:id="rId10"/>
-    <p:sldId id="277" r:id="rId11"/>
-    <p:sldId id="278" r:id="rId12"/>
-    <p:sldId id="279" r:id="rId13"/>
-    <p:sldId id="280" r:id="rId14"/>
-    <p:sldId id="272" r:id="rId15"/>
+    <p:sldId id="257" r:id="rId2"/>
+    <p:sldId id="258" r:id="rId3"/>
+    <p:sldId id="267" r:id="rId4"/>
+    <p:sldId id="268" r:id="rId5"/>
+    <p:sldId id="269" r:id="rId6"/>
+    <p:sldId id="273" r:id="rId7"/>
+    <p:sldId id="270" r:id="rId8"/>
+    <p:sldId id="276" r:id="rId9"/>
+    <p:sldId id="277" r:id="rId10"/>
+    <p:sldId id="278" r:id="rId11"/>
+    <p:sldId id="279" r:id="rId12"/>
+    <p:sldId id="280" r:id="rId13"/>
+    <p:sldId id="272" r:id="rId14"/>
   </p:sldIdLst>
   <p:sldSz cx="12192000" cy="6858000"/>
-  <p:notesSz cx="7103745" cy="10234295"/>
+  <p:notesSz cx="7104063" cy="10234613"/>
   <p:defaultTextStyle>
     <a:defPPr>
       <a:defRPr lang="zh-CN"/>
@@ -250,6 +250,8 @@
           <a:p>
             <a:fld id="{82F288E0-7875-42C4-84C8-98DBBD3BF4D2}" type="datetimeFigureOut">
               <a:rPr lang="zh-CN" altLang="en-US" smtClean="0"/>
+              <a:pPr/>
+              <a:t>2020/3/2</a:t>
             </a:fld>
             <a:endParaRPr lang="zh-CN" altLang="en-US"/>
           </a:p>
@@ -291,6 +293,8 @@
           <a:p>
             <a:fld id="{7D9BB5D0-35E4-459D-AEF3-FE4D7C45CC19}" type="slidenum">
               <a:rPr lang="zh-CN" altLang="en-US" smtClean="0"/>
+              <a:pPr/>
+              <a:t>‹#›</a:t>
             </a:fld>
             <a:endParaRPr lang="zh-CN" altLang="en-US"/>
           </a:p>
@@ -346,7 +350,6 @@
               <a:rPr lang="zh-CN" altLang="en-US" smtClean="0"/>
               <a:t>单击此处编辑母版文本样式</a:t>
             </a:r>
-            <a:endParaRPr lang="zh-CN" altLang="en-US" smtClean="0"/>
           </a:p>
           <a:p>
             <a:pPr lvl="1"/>
@@ -354,7 +357,6 @@
               <a:rPr lang="zh-CN" altLang="en-US" smtClean="0"/>
               <a:t>第二级</a:t>
             </a:r>
-            <a:endParaRPr lang="zh-CN" altLang="en-US" smtClean="0"/>
           </a:p>
           <a:p>
             <a:pPr lvl="2"/>
@@ -362,7 +364,6 @@
               <a:rPr lang="zh-CN" altLang="en-US" smtClean="0"/>
               <a:t>第三级</a:t>
             </a:r>
-            <a:endParaRPr lang="zh-CN" altLang="en-US" smtClean="0"/>
           </a:p>
           <a:p>
             <a:pPr lvl="3"/>
@@ -370,7 +371,6 @@
               <a:rPr lang="zh-CN" altLang="en-US" smtClean="0"/>
               <a:t>第四级</a:t>
             </a:r>
-            <a:endParaRPr lang="zh-CN" altLang="en-US" smtClean="0"/>
           </a:p>
           <a:p>
             <a:pPr lvl="4"/>
@@ -399,6 +399,8 @@
           <a:p>
             <a:fld id="{82F288E0-7875-42C4-84C8-98DBBD3BF4D2}" type="datetimeFigureOut">
               <a:rPr lang="zh-CN" altLang="en-US" smtClean="0"/>
+              <a:pPr/>
+              <a:t>2020/3/2</a:t>
             </a:fld>
             <a:endParaRPr lang="zh-CN" altLang="en-US"/>
           </a:p>
@@ -440,6 +442,8 @@
           <a:p>
             <a:fld id="{7D9BB5D0-35E4-459D-AEF3-FE4D7C45CC19}" type="slidenum">
               <a:rPr lang="zh-CN" altLang="en-US" smtClean="0"/>
+              <a:pPr/>
+              <a:t>‹#›</a:t>
             </a:fld>
             <a:endParaRPr lang="zh-CN" altLang="en-US"/>
           </a:p>
@@ -513,7 +517,6 @@
               <a:rPr lang="zh-CN" altLang="en-US" smtClean="0"/>
               <a:t>单击此处编辑母版文本样式</a:t>
             </a:r>
-            <a:endParaRPr lang="zh-CN" altLang="en-US" smtClean="0"/>
           </a:p>
           <a:p>
             <a:pPr lvl="1"/>
@@ -521,7 +524,6 @@
               <a:rPr lang="zh-CN" altLang="en-US" smtClean="0"/>
               <a:t>第二级</a:t>
             </a:r>
-            <a:endParaRPr lang="zh-CN" altLang="en-US" smtClean="0"/>
           </a:p>
           <a:p>
             <a:pPr lvl="2"/>
@@ -529,7 +531,6 @@
               <a:rPr lang="zh-CN" altLang="en-US" smtClean="0"/>
               <a:t>第三级</a:t>
             </a:r>
-            <a:endParaRPr lang="zh-CN" altLang="en-US" smtClean="0"/>
           </a:p>
           <a:p>
             <a:pPr lvl="3"/>
@@ -537,7 +538,6 @@
               <a:rPr lang="zh-CN" altLang="en-US" smtClean="0"/>
               <a:t>第四级</a:t>
             </a:r>
-            <a:endParaRPr lang="zh-CN" altLang="en-US" smtClean="0"/>
           </a:p>
           <a:p>
             <a:pPr lvl="4"/>
@@ -566,6 +566,8 @@
           <a:p>
             <a:fld id="{82F288E0-7875-42C4-84C8-98DBBD3BF4D2}" type="datetimeFigureOut">
               <a:rPr lang="zh-CN" altLang="en-US" smtClean="0"/>
+              <a:pPr/>
+              <a:t>2020/3/2</a:t>
             </a:fld>
             <a:endParaRPr lang="zh-CN" altLang="en-US"/>
           </a:p>
@@ -607,6 +609,8 @@
           <a:p>
             <a:fld id="{7D9BB5D0-35E4-459D-AEF3-FE4D7C45CC19}" type="slidenum">
               <a:rPr lang="zh-CN" altLang="en-US" smtClean="0"/>
+              <a:pPr/>
+              <a:t>‹#›</a:t>
             </a:fld>
             <a:endParaRPr lang="zh-CN" altLang="en-US"/>
           </a:p>
@@ -785,7 +789,6 @@
               <a:rPr lang="zh-CN" altLang="en-US" smtClean="0"/>
               <a:t>单击此处编辑母版文本样式</a:t>
             </a:r>
-            <a:endParaRPr lang="zh-CN" altLang="en-US" smtClean="0"/>
           </a:p>
         </p:txBody>
       </p:sp>
@@ -806,6 +809,8 @@
           <a:p>
             <a:fld id="{82F288E0-7875-42C4-84C8-98DBBD3BF4D2}" type="datetimeFigureOut">
               <a:rPr lang="zh-CN" altLang="en-US" smtClean="0"/>
+              <a:pPr/>
+              <a:t>2020/3/2</a:t>
             </a:fld>
             <a:endParaRPr lang="zh-CN" altLang="en-US"/>
           </a:p>
@@ -847,6 +852,8 @@
           <a:p>
             <a:fld id="{7D9BB5D0-35E4-459D-AEF3-FE4D7C45CC19}" type="slidenum">
               <a:rPr lang="zh-CN" altLang="en-US" smtClean="0"/>
+              <a:pPr/>
+              <a:t>‹#›</a:t>
             </a:fld>
             <a:endParaRPr lang="zh-CN" altLang="en-US"/>
           </a:p>
@@ -925,7 +932,6 @@
               <a:rPr lang="zh-CN" altLang="en-US" smtClean="0"/>
               <a:t>单击此处编辑母版文本样式</a:t>
             </a:r>
-            <a:endParaRPr lang="zh-CN" altLang="en-US" smtClean="0"/>
           </a:p>
           <a:p>
             <a:pPr lvl="1"/>
@@ -933,7 +939,6 @@
               <a:rPr lang="zh-CN" altLang="en-US" smtClean="0"/>
               <a:t>第二级</a:t>
             </a:r>
-            <a:endParaRPr lang="zh-CN" altLang="en-US" smtClean="0"/>
           </a:p>
           <a:p>
             <a:pPr lvl="2"/>
@@ -941,7 +946,6 @@
               <a:rPr lang="zh-CN" altLang="en-US" smtClean="0"/>
               <a:t>第三级</a:t>
             </a:r>
-            <a:endParaRPr lang="zh-CN" altLang="en-US" smtClean="0"/>
           </a:p>
           <a:p>
             <a:pPr lvl="3"/>
@@ -949,7 +953,6 @@
               <a:rPr lang="zh-CN" altLang="en-US" smtClean="0"/>
               <a:t>第四级</a:t>
             </a:r>
-            <a:endParaRPr lang="zh-CN" altLang="en-US" smtClean="0"/>
           </a:p>
           <a:p>
             <a:pPr lvl="4"/>
@@ -986,7 +989,6 @@
               <a:rPr lang="zh-CN" altLang="en-US" smtClean="0"/>
               <a:t>单击此处编辑母版文本样式</a:t>
             </a:r>
-            <a:endParaRPr lang="zh-CN" altLang="en-US" smtClean="0"/>
           </a:p>
           <a:p>
             <a:pPr lvl="1"/>
@@ -994,7 +996,6 @@
               <a:rPr lang="zh-CN" altLang="en-US" smtClean="0"/>
               <a:t>第二级</a:t>
             </a:r>
-            <a:endParaRPr lang="zh-CN" altLang="en-US" smtClean="0"/>
           </a:p>
           <a:p>
             <a:pPr lvl="2"/>
@@ -1002,7 +1003,6 @@
               <a:rPr lang="zh-CN" altLang="en-US" smtClean="0"/>
               <a:t>第三级</a:t>
             </a:r>
-            <a:endParaRPr lang="zh-CN" altLang="en-US" smtClean="0"/>
           </a:p>
           <a:p>
             <a:pPr lvl="3"/>
@@ -1010,7 +1010,6 @@
               <a:rPr lang="zh-CN" altLang="en-US" smtClean="0"/>
               <a:t>第四级</a:t>
             </a:r>
-            <a:endParaRPr lang="zh-CN" altLang="en-US" smtClean="0"/>
           </a:p>
           <a:p>
             <a:pPr lvl="4"/>
@@ -1039,6 +1038,8 @@
           <a:p>
             <a:fld id="{82F288E0-7875-42C4-84C8-98DBBD3BF4D2}" type="datetimeFigureOut">
               <a:rPr lang="zh-CN" altLang="en-US" smtClean="0"/>
+              <a:pPr/>
+              <a:t>2020/3/2</a:t>
             </a:fld>
             <a:endParaRPr lang="zh-CN" altLang="en-US"/>
           </a:p>
@@ -1080,6 +1081,8 @@
           <a:p>
             <a:fld id="{7D9BB5D0-35E4-459D-AEF3-FE4D7C45CC19}" type="slidenum">
               <a:rPr lang="zh-CN" altLang="en-US" smtClean="0"/>
+              <a:pPr/>
+              <a:t>‹#›</a:t>
             </a:fld>
             <a:endParaRPr lang="zh-CN" altLang="en-US"/>
           </a:p>
@@ -1200,7 +1203,6 @@
               <a:rPr lang="zh-CN" altLang="en-US" smtClean="0"/>
               <a:t>单击此处编辑母版文本样式</a:t>
             </a:r>
-            <a:endParaRPr lang="zh-CN" altLang="en-US" smtClean="0"/>
           </a:p>
         </p:txBody>
       </p:sp>
@@ -1229,7 +1231,6 @@
               <a:rPr lang="zh-CN" altLang="en-US" smtClean="0"/>
               <a:t>单击此处编辑母版文本样式</a:t>
             </a:r>
-            <a:endParaRPr lang="zh-CN" altLang="en-US" smtClean="0"/>
           </a:p>
           <a:p>
             <a:pPr lvl="1"/>
@@ -1237,7 +1238,6 @@
               <a:rPr lang="zh-CN" altLang="en-US" smtClean="0"/>
               <a:t>第二级</a:t>
             </a:r>
-            <a:endParaRPr lang="zh-CN" altLang="en-US" smtClean="0"/>
           </a:p>
           <a:p>
             <a:pPr lvl="2"/>
@@ -1245,7 +1245,6 @@
               <a:rPr lang="zh-CN" altLang="en-US" smtClean="0"/>
               <a:t>第三级</a:t>
             </a:r>
-            <a:endParaRPr lang="zh-CN" altLang="en-US" smtClean="0"/>
           </a:p>
           <a:p>
             <a:pPr lvl="3"/>
@@ -1253,7 +1252,6 @@
               <a:rPr lang="zh-CN" altLang="en-US" smtClean="0"/>
               <a:t>第四级</a:t>
             </a:r>
-            <a:endParaRPr lang="zh-CN" altLang="en-US" smtClean="0"/>
           </a:p>
           <a:p>
             <a:pPr lvl="4"/>
@@ -1327,7 +1325,6 @@
               <a:rPr lang="zh-CN" altLang="en-US" smtClean="0"/>
               <a:t>单击此处编辑母版文本样式</a:t>
             </a:r>
-            <a:endParaRPr lang="zh-CN" altLang="en-US" smtClean="0"/>
           </a:p>
         </p:txBody>
       </p:sp>
@@ -1356,7 +1353,6 @@
               <a:rPr lang="zh-CN" altLang="en-US" smtClean="0"/>
               <a:t>单击此处编辑母版文本样式</a:t>
             </a:r>
-            <a:endParaRPr lang="zh-CN" altLang="en-US" smtClean="0"/>
           </a:p>
           <a:p>
             <a:pPr lvl="1"/>
@@ -1364,7 +1360,6 @@
               <a:rPr lang="zh-CN" altLang="en-US" smtClean="0"/>
               <a:t>第二级</a:t>
             </a:r>
-            <a:endParaRPr lang="zh-CN" altLang="en-US" smtClean="0"/>
           </a:p>
           <a:p>
             <a:pPr lvl="2"/>
@@ -1372,7 +1367,6 @@
               <a:rPr lang="zh-CN" altLang="en-US" smtClean="0"/>
               <a:t>第三级</a:t>
             </a:r>
-            <a:endParaRPr lang="zh-CN" altLang="en-US" smtClean="0"/>
           </a:p>
           <a:p>
             <a:pPr lvl="3"/>
@@ -1380,7 +1374,6 @@
               <a:rPr lang="zh-CN" altLang="en-US" smtClean="0"/>
               <a:t>第四级</a:t>
             </a:r>
-            <a:endParaRPr lang="zh-CN" altLang="en-US" smtClean="0"/>
           </a:p>
           <a:p>
             <a:pPr lvl="4"/>
@@ -1409,6 +1402,8 @@
           <a:p>
             <a:fld id="{82F288E0-7875-42C4-84C8-98DBBD3BF4D2}" type="datetimeFigureOut">
               <a:rPr lang="zh-CN" altLang="en-US" smtClean="0"/>
+              <a:pPr/>
+              <a:t>2020/3/2</a:t>
             </a:fld>
             <a:endParaRPr lang="zh-CN" altLang="en-US"/>
           </a:p>
@@ -1450,6 +1445,8 @@
           <a:p>
             <a:fld id="{7D9BB5D0-35E4-459D-AEF3-FE4D7C45CC19}" type="slidenum">
               <a:rPr lang="zh-CN" altLang="en-US" smtClean="0"/>
+              <a:pPr/>
+              <a:t>‹#›</a:t>
             </a:fld>
             <a:endParaRPr lang="zh-CN" altLang="en-US"/>
           </a:p>
@@ -1520,6 +1517,8 @@
           <a:p>
             <a:fld id="{82F288E0-7875-42C4-84C8-98DBBD3BF4D2}" type="datetimeFigureOut">
               <a:rPr lang="zh-CN" altLang="en-US" smtClean="0"/>
+              <a:pPr/>
+              <a:t>2020/3/2</a:t>
             </a:fld>
             <a:endParaRPr lang="zh-CN" altLang="en-US"/>
           </a:p>
@@ -1561,6 +1560,8 @@
           <a:p>
             <a:fld id="{7D9BB5D0-35E4-459D-AEF3-FE4D7C45CC19}" type="slidenum">
               <a:rPr lang="zh-CN" altLang="en-US" smtClean="0"/>
+              <a:pPr/>
+              <a:t>‹#›</a:t>
             </a:fld>
             <a:endParaRPr lang="zh-CN" altLang="en-US"/>
           </a:p>
@@ -1608,6 +1609,8 @@
           <a:p>
             <a:fld id="{82F288E0-7875-42C4-84C8-98DBBD3BF4D2}" type="datetimeFigureOut">
               <a:rPr lang="zh-CN" altLang="en-US" smtClean="0"/>
+              <a:pPr/>
+              <a:t>2020/3/2</a:t>
             </a:fld>
             <a:endParaRPr lang="zh-CN" altLang="en-US"/>
           </a:p>
@@ -1649,6 +1652,8 @@
           <a:p>
             <a:fld id="{7D9BB5D0-35E4-459D-AEF3-FE4D7C45CC19}" type="slidenum">
               <a:rPr lang="zh-CN" altLang="en-US" smtClean="0"/>
+              <a:pPr/>
+              <a:t>‹#›</a:t>
             </a:fld>
             <a:endParaRPr lang="zh-CN" altLang="en-US"/>
           </a:p>
@@ -1834,7 +1839,6 @@
               <a:rPr lang="zh-CN" altLang="en-US" smtClean="0"/>
               <a:t>单击此处编辑母版文本样式</a:t>
             </a:r>
-            <a:endParaRPr lang="zh-CN" altLang="en-US" smtClean="0"/>
           </a:p>
         </p:txBody>
       </p:sp>
@@ -1855,6 +1859,8 @@
           <a:p>
             <a:fld id="{82F288E0-7875-42C4-84C8-98DBBD3BF4D2}" type="datetimeFigureOut">
               <a:rPr lang="zh-CN" altLang="en-US" smtClean="0"/>
+              <a:pPr/>
+              <a:t>2020/3/2</a:t>
             </a:fld>
             <a:endParaRPr lang="zh-CN" altLang="en-US"/>
           </a:p>
@@ -1896,6 +1902,8 @@
           <a:p>
             <a:fld id="{7D9BB5D0-35E4-459D-AEF3-FE4D7C45CC19}" type="slidenum">
               <a:rPr lang="zh-CN" altLang="en-US" smtClean="0"/>
+              <a:pPr/>
+              <a:t>‹#›</a:t>
             </a:fld>
             <a:endParaRPr lang="zh-CN" altLang="en-US"/>
           </a:p>
@@ -1979,7 +1987,6 @@
               <a:rPr lang="zh-CN" altLang="en-US" smtClean="0"/>
               <a:t>单击此处编辑母版文本样式</a:t>
             </a:r>
-            <a:endParaRPr lang="zh-CN" altLang="en-US" smtClean="0"/>
           </a:p>
           <a:p>
             <a:pPr lvl="1"/>
@@ -1987,7 +1994,6 @@
               <a:rPr lang="zh-CN" altLang="en-US" smtClean="0"/>
               <a:t>第二级</a:t>
             </a:r>
-            <a:endParaRPr lang="zh-CN" altLang="en-US" smtClean="0"/>
           </a:p>
           <a:p>
             <a:pPr lvl="2"/>
@@ -1995,7 +2001,6 @@
               <a:rPr lang="zh-CN" altLang="en-US" smtClean="0"/>
               <a:t>第三级</a:t>
             </a:r>
-            <a:endParaRPr lang="zh-CN" altLang="en-US" smtClean="0"/>
           </a:p>
           <a:p>
             <a:pPr lvl="3"/>
@@ -2003,7 +2008,6 @@
               <a:rPr lang="zh-CN" altLang="en-US" smtClean="0"/>
               <a:t>第四级</a:t>
             </a:r>
-            <a:endParaRPr lang="zh-CN" altLang="en-US" smtClean="0"/>
           </a:p>
           <a:p>
             <a:pPr lvl="4"/>
@@ -2032,6 +2036,8 @@
           <a:p>
             <a:fld id="{82F288E0-7875-42C4-84C8-98DBBD3BF4D2}" type="datetimeFigureOut">
               <a:rPr lang="zh-CN" altLang="en-US" smtClean="0"/>
+              <a:pPr/>
+              <a:t>2020/3/2</a:t>
             </a:fld>
             <a:endParaRPr lang="zh-CN" altLang="en-US"/>
           </a:p>
@@ -2073,6 +2079,8 @@
           <a:p>
             <a:fld id="{7D9BB5D0-35E4-459D-AEF3-FE4D7C45CC19}" type="slidenum">
               <a:rPr lang="zh-CN" altLang="en-US" smtClean="0"/>
+              <a:pPr/>
+              <a:t>‹#›</a:t>
             </a:fld>
             <a:endParaRPr lang="zh-CN" altLang="en-US"/>
           </a:p>
@@ -2171,7 +2179,6 @@
               <a:rPr lang="zh-CN" altLang="en-US" smtClean="0"/>
               <a:t>单击此处编辑母版文本样式</a:t>
             </a:r>
-            <a:endParaRPr lang="zh-CN" altLang="en-US" smtClean="0"/>
           </a:p>
           <a:p>
             <a:pPr lvl="1"/>
@@ -2179,7 +2186,6 @@
               <a:rPr lang="zh-CN" altLang="en-US" smtClean="0"/>
               <a:t>第二级</a:t>
             </a:r>
-            <a:endParaRPr lang="zh-CN" altLang="en-US" smtClean="0"/>
           </a:p>
           <a:p>
             <a:pPr lvl="2"/>
@@ -2187,7 +2193,6 @@
               <a:rPr lang="zh-CN" altLang="en-US" smtClean="0"/>
               <a:t>第三级</a:t>
             </a:r>
-            <a:endParaRPr lang="zh-CN" altLang="en-US" smtClean="0"/>
           </a:p>
           <a:p>
             <a:pPr lvl="3"/>
@@ -2195,7 +2200,6 @@
               <a:rPr lang="zh-CN" altLang="en-US" smtClean="0"/>
               <a:t>第四级</a:t>
             </a:r>
-            <a:endParaRPr lang="zh-CN" altLang="en-US" smtClean="0"/>
           </a:p>
           <a:p>
             <a:pPr lvl="4"/>
@@ -2242,6 +2246,8 @@
           <a:p>
             <a:fld id="{82F288E0-7875-42C4-84C8-98DBBD3BF4D2}" type="datetimeFigureOut">
               <a:rPr lang="zh-CN" altLang="en-US" smtClean="0"/>
+              <a:pPr/>
+              <a:t>2020/3/2</a:t>
             </a:fld>
             <a:endParaRPr lang="zh-CN" altLang="en-US"/>
           </a:p>
@@ -2319,6 +2325,8 @@
           <a:p>
             <a:fld id="{7D9BB5D0-35E4-459D-AEF3-FE4D7C45CC19}" type="slidenum">
               <a:rPr lang="zh-CN" altLang="en-US" smtClean="0"/>
+              <a:pPr/>
+              <a:t>‹#›</a:t>
             </a:fld>
             <a:endParaRPr lang="zh-CN" altLang="en-US"/>
           </a:p>
@@ -2631,7 +2639,14 @@
         <p:cNvGrpSpPr/>
         <p:nvPr/>
       </p:nvGrpSpPr>
-      <p:grpSpPr/>
+      <p:grpSpPr>
+        <a:xfrm>
+          <a:off x="0" y="0"/>
+          <a:ext cx="0" cy="0"/>
+          <a:chOff x="0" y="0"/>
+          <a:chExt cx="0" cy="0"/>
+        </a:xfrm>
+      </p:grpSpPr>
       <p:pic>
         <p:nvPicPr>
           <p:cNvPr id="2" name="图片 1"/>
@@ -2641,7 +2656,7 @@
           <p:nvPr/>
         </p:nvPicPr>
         <p:blipFill>
-          <a:blip r:embed="rId1"/>
+          <a:blip r:embed="rId2"/>
           <a:stretch>
             <a:fillRect/>
           </a:stretch>
@@ -2673,7 +2688,14 @@
         <p:cNvGrpSpPr/>
         <p:nvPr/>
       </p:nvGrpSpPr>
-      <p:grpSpPr/>
+      <p:grpSpPr>
+        <a:xfrm>
+          <a:off x="0" y="0"/>
+          <a:ext cx="0" cy="0"/>
+          <a:chOff x="0" y="0"/>
+          <a:chExt cx="0" cy="0"/>
+        </a:xfrm>
+      </p:grpSpPr>
       <p:sp>
         <p:nvSpPr>
           <p:cNvPr id="3" name="圆角矩形 2"/>
@@ -2710,6 +2732,7 @@
         </p:style>
         <p:txBody>
           <a:bodyPr rtlCol="0" anchor="ctr"/>
+          <a:lstStyle/>
           <a:p>
             <a:pPr algn="ctr"/>
             <a:endParaRPr lang="zh-CN" altLang="en-US"/>
@@ -2718,14 +2741,14 @@
       </p:sp>
       <p:sp>
         <p:nvSpPr>
-          <p:cNvPr id="9" name="文本框 8"/>
+          <p:cNvPr id="5" name="文本框 4"/>
           <p:cNvSpPr txBox="1"/>
           <p:nvPr/>
         </p:nvSpPr>
         <p:spPr>
           <a:xfrm>
-            <a:off x="8899525" y="285115"/>
-            <a:ext cx="2949575" cy="521970"/>
+            <a:off x="332105" y="1466850"/>
+            <a:ext cx="2959735" cy="521970"/>
           </a:xfrm>
           <a:prstGeom prst="rect">
             <a:avLst/>
@@ -2736,48 +2759,33 @@
           <a:bodyPr wrap="square" rtlCol="0">
             <a:spAutoFit/>
           </a:bodyPr>
-          <a:p>
-            <a:pPr lvl="0" algn="l"/>
-            <a:r>
-              <a:rPr lang="en-US" altLang="zh-CN" sz="2800">
-                <a:solidFill>
-                  <a:srgbClr val="FF0000"/>
-                </a:solidFill>
-                <a:latin typeface="+mn-ea"/>
-                <a:cs typeface="+mn-ea"/>
-                <a:sym typeface="+mn-ea"/>
-              </a:rPr>
-              <a:t>2  常用指令  </a:t>
-            </a:r>
+          <a:lstStyle/>
+          <a:p>
+            <a:pPr algn="l"/>
             <a:r>
               <a:rPr lang="zh-CN" altLang="en-US" sz="2800">
                 <a:solidFill>
-                  <a:srgbClr val="FF0000"/>
-                </a:solidFill>
-                <a:latin typeface="+mn-ea"/>
-                <a:cs typeface="+mn-ea"/>
-                <a:sym typeface="+mn-ea"/>
-              </a:rPr>
-              <a:t>组件</a:t>
-            </a:r>
-            <a:endParaRPr lang="zh-CN" altLang="en-US" sz="2800">
-              <a:latin typeface="+mn-ea"/>
-              <a:cs typeface="+mn-ea"/>
-              <a:sym typeface="+mn-ea"/>
-            </a:endParaRPr>
-          </a:p>
-        </p:txBody>
-      </p:sp>
-      <p:sp>
-        <p:nvSpPr>
-          <p:cNvPr id="5" name="文本框 4"/>
+                  <a:schemeClr val="bg1">
+                    <a:lumMod val="85000"/>
+                  </a:schemeClr>
+                </a:solidFill>
+                <a:effectLst/>
+              </a:rPr>
+              <a:t>静态</a:t>
+            </a:r>
+          </a:p>
+        </p:txBody>
+      </p:sp>
+      <p:sp>
+        <p:nvSpPr>
+          <p:cNvPr id="4" name="文本框 3"/>
           <p:cNvSpPr txBox="1"/>
           <p:nvPr/>
         </p:nvSpPr>
         <p:spPr>
           <a:xfrm>
-            <a:off x="332105" y="1466850"/>
-            <a:ext cx="2959735" cy="521970"/>
+            <a:off x="332105" y="2328545"/>
+            <a:ext cx="2564765" cy="521970"/>
           </a:xfrm>
           <a:prstGeom prst="rect">
             <a:avLst/>
@@ -2788,6 +2796,7 @@
           <a:bodyPr wrap="square" rtlCol="0">
             <a:spAutoFit/>
           </a:bodyPr>
+          <a:lstStyle/>
           <a:p>
             <a:pPr algn="l"/>
             <a:r>
@@ -2799,29 +2808,21 @@
                 </a:solidFill>
                 <a:effectLst/>
               </a:rPr>
-              <a:t>静态</a:t>
-            </a:r>
-            <a:endParaRPr lang="zh-CN" altLang="en-US" sz="2800">
-              <a:solidFill>
-                <a:schemeClr val="bg1">
-                  <a:lumMod val="85000"/>
-                </a:schemeClr>
-              </a:solidFill>
-              <a:effectLst/>
-            </a:endParaRPr>
-          </a:p>
-        </p:txBody>
-      </p:sp>
-      <p:sp>
-        <p:nvSpPr>
-          <p:cNvPr id="4" name="文本框 3"/>
+              <a:t>单向传值</a:t>
+            </a:r>
+          </a:p>
+        </p:txBody>
+      </p:sp>
+      <p:sp>
+        <p:nvSpPr>
+          <p:cNvPr id="6" name="文本框 5"/>
           <p:cNvSpPr txBox="1"/>
           <p:nvPr/>
         </p:nvSpPr>
         <p:spPr>
           <a:xfrm>
-            <a:off x="332105" y="2328545"/>
-            <a:ext cx="2564765" cy="521970"/>
+            <a:off x="332105" y="3190240"/>
+            <a:ext cx="2959735" cy="521970"/>
           </a:xfrm>
           <a:prstGeom prst="rect">
             <a:avLst/>
@@ -2832,6 +2833,44 @@
           <a:bodyPr wrap="square" rtlCol="0">
             <a:spAutoFit/>
           </a:bodyPr>
+          <a:lstStyle/>
+          <a:p>
+            <a:pPr algn="l"/>
+            <a:r>
+              <a:rPr lang="zh-CN" altLang="en-US" sz="2800">
+                <a:solidFill>
+                  <a:schemeClr val="accent5">
+                    <a:lumMod val="75000"/>
+                  </a:schemeClr>
+                </a:solidFill>
+                <a:effectLst/>
+              </a:rPr>
+              <a:t>抛出事件</a:t>
+            </a:r>
+          </a:p>
+        </p:txBody>
+      </p:sp>
+      <p:sp>
+        <p:nvSpPr>
+          <p:cNvPr id="7" name="文本框 6"/>
+          <p:cNvSpPr txBox="1"/>
+          <p:nvPr/>
+        </p:nvSpPr>
+        <p:spPr>
+          <a:xfrm>
+            <a:off x="332105" y="4051935"/>
+            <a:ext cx="2959735" cy="521970"/>
+          </a:xfrm>
+          <a:prstGeom prst="rect">
+            <a:avLst/>
+          </a:prstGeom>
+          <a:noFill/>
+        </p:spPr>
+        <p:txBody>
+          <a:bodyPr wrap="square" rtlCol="0">
+            <a:spAutoFit/>
+          </a:bodyPr>
+          <a:lstStyle/>
           <a:p>
             <a:pPr algn="l"/>
             <a:r>
@@ -2843,28 +2882,20 @@
                 </a:solidFill>
                 <a:effectLst/>
               </a:rPr>
-              <a:t>单向传值</a:t>
-            </a:r>
-            <a:endParaRPr lang="zh-CN" altLang="en-US" sz="2800">
-              <a:solidFill>
-                <a:schemeClr val="bg1">
-                  <a:lumMod val="85000"/>
-                </a:schemeClr>
-              </a:solidFill>
-              <a:effectLst/>
-            </a:endParaRPr>
-          </a:p>
-        </p:txBody>
-      </p:sp>
-      <p:sp>
-        <p:nvSpPr>
-          <p:cNvPr id="6" name="文本框 5"/>
+              <a:t>插槽</a:t>
+            </a:r>
+          </a:p>
+        </p:txBody>
+      </p:sp>
+      <p:sp>
+        <p:nvSpPr>
+          <p:cNvPr id="8" name="文本框 7"/>
           <p:cNvSpPr txBox="1"/>
           <p:nvPr/>
         </p:nvSpPr>
         <p:spPr>
           <a:xfrm>
-            <a:off x="332105" y="3190240"/>
+            <a:off x="332105" y="4913630"/>
             <a:ext cx="2959735" cy="521970"/>
           </a:xfrm>
           <a:prstGeom prst="rect">
@@ -2876,40 +2907,33 @@
           <a:bodyPr wrap="square" rtlCol="0">
             <a:spAutoFit/>
           </a:bodyPr>
+          <a:lstStyle/>
           <a:p>
             <a:pPr algn="l"/>
             <a:r>
               <a:rPr lang="zh-CN" altLang="en-US" sz="2800">
                 <a:solidFill>
-                  <a:schemeClr val="accent5">
-                    <a:lumMod val="75000"/>
+                  <a:schemeClr val="bg1">
+                    <a:lumMod val="85000"/>
                   </a:schemeClr>
                 </a:solidFill>
                 <a:effectLst/>
               </a:rPr>
-              <a:t>抛出事件</a:t>
-            </a:r>
-            <a:endParaRPr lang="zh-CN" altLang="en-US" sz="2800">
-              <a:solidFill>
-                <a:schemeClr val="accent5">
-                  <a:lumMod val="75000"/>
-                </a:schemeClr>
-              </a:solidFill>
-              <a:effectLst/>
-            </a:endParaRPr>
-          </a:p>
-        </p:txBody>
-      </p:sp>
-      <p:sp>
-        <p:nvSpPr>
-          <p:cNvPr id="7" name="文本框 6"/>
+              <a:t>传值插槽</a:t>
+            </a:r>
+          </a:p>
+        </p:txBody>
+      </p:sp>
+      <p:sp>
+        <p:nvSpPr>
+          <p:cNvPr id="11" name="文本框 10"/>
           <p:cNvSpPr txBox="1"/>
           <p:nvPr/>
         </p:nvSpPr>
         <p:spPr>
           <a:xfrm>
-            <a:off x="332105" y="4051935"/>
-            <a:ext cx="2959735" cy="521970"/>
+            <a:off x="2634615" y="1466850"/>
+            <a:ext cx="9018270" cy="521970"/>
           </a:xfrm>
           <a:prstGeom prst="rect">
             <a:avLst/>
@@ -2920,100 +2944,12 @@
           <a:bodyPr wrap="square" rtlCol="0">
             <a:spAutoFit/>
           </a:bodyPr>
-          <a:p>
-            <a:pPr algn="l"/>
-            <a:r>
-              <a:rPr lang="zh-CN" altLang="en-US" sz="2800">
-                <a:solidFill>
-                  <a:schemeClr val="bg1">
-                    <a:lumMod val="85000"/>
-                  </a:schemeClr>
-                </a:solidFill>
-                <a:effectLst/>
-              </a:rPr>
-              <a:t>插槽</a:t>
-            </a:r>
-            <a:endParaRPr lang="zh-CN" altLang="en-US" sz="2800">
-              <a:solidFill>
-                <a:schemeClr val="bg1">
-                  <a:lumMod val="85000"/>
-                </a:schemeClr>
-              </a:solidFill>
-              <a:effectLst/>
-            </a:endParaRPr>
-          </a:p>
-        </p:txBody>
-      </p:sp>
-      <p:sp>
-        <p:nvSpPr>
-          <p:cNvPr id="8" name="文本框 7"/>
-          <p:cNvSpPr txBox="1"/>
-          <p:nvPr/>
-        </p:nvSpPr>
-        <p:spPr>
-          <a:xfrm>
-            <a:off x="332105" y="4913630"/>
-            <a:ext cx="2959735" cy="521970"/>
-          </a:xfrm>
-          <a:prstGeom prst="rect">
-            <a:avLst/>
-          </a:prstGeom>
-          <a:noFill/>
-        </p:spPr>
-        <p:txBody>
-          <a:bodyPr wrap="square" rtlCol="0">
-            <a:spAutoFit/>
-          </a:bodyPr>
-          <a:p>
-            <a:pPr algn="l"/>
-            <a:r>
-              <a:rPr lang="zh-CN" altLang="en-US" sz="2800">
-                <a:solidFill>
-                  <a:schemeClr val="bg1">
-                    <a:lumMod val="85000"/>
-                  </a:schemeClr>
-                </a:solidFill>
-                <a:effectLst/>
-              </a:rPr>
-              <a:t>传值插槽</a:t>
-            </a:r>
-            <a:endParaRPr lang="zh-CN" altLang="en-US" sz="2800">
-              <a:solidFill>
-                <a:schemeClr val="bg1">
-                  <a:lumMod val="85000"/>
-                </a:schemeClr>
-              </a:solidFill>
-              <a:effectLst/>
-            </a:endParaRPr>
-          </a:p>
-        </p:txBody>
-      </p:sp>
-      <p:sp>
-        <p:nvSpPr>
-          <p:cNvPr id="11" name="文本框 10"/>
-          <p:cNvSpPr txBox="1"/>
-          <p:nvPr/>
-        </p:nvSpPr>
-        <p:spPr>
-          <a:xfrm>
-            <a:off x="2634615" y="1466850"/>
-            <a:ext cx="9018270" cy="521970"/>
-          </a:xfrm>
-          <a:prstGeom prst="rect">
-            <a:avLst/>
-          </a:prstGeom>
-          <a:noFill/>
-        </p:spPr>
-        <p:txBody>
-          <a:bodyPr wrap="square" rtlCol="0">
-            <a:spAutoFit/>
-          </a:bodyPr>
+          <a:lstStyle/>
           <a:p>
             <a:r>
               <a:rPr lang="zh-CN" altLang="en-US" sz="2800"/>
               <a:t>场景：用户点击日期组件时，希望获取日期进行查询</a:t>
             </a:r>
-            <a:endParaRPr lang="zh-CN" altLang="en-US" sz="2800"/>
           </a:p>
         </p:txBody>
       </p:sp>
@@ -3026,7 +2962,7 @@
           <p:nvPr/>
         </p:nvPicPr>
         <p:blipFill>
-          <a:blip r:embed="rId1"/>
+          <a:blip r:embed="rId2"/>
           <a:stretch>
             <a:fillRect/>
           </a:stretch>
@@ -3041,6 +2977,81 @@
           </a:prstGeom>
         </p:spPr>
       </p:pic>
+      <p:sp>
+        <p:nvSpPr>
+          <p:cNvPr id="12" name="文本框 8"/>
+          <p:cNvSpPr txBox="1"/>
+          <p:nvPr/>
+        </p:nvSpPr>
+        <p:spPr>
+          <a:xfrm>
+            <a:off x="8899525" y="285115"/>
+            <a:ext cx="2949575" cy="523220"/>
+          </a:xfrm>
+          <a:prstGeom prst="rect">
+            <a:avLst/>
+          </a:prstGeom>
+          <a:noFill/>
+        </p:spPr>
+        <p:txBody>
+          <a:bodyPr wrap="square" rtlCol="0">
+            <a:spAutoFit/>
+          </a:bodyPr>
+          <a:lstStyle/>
+          <a:p>
+            <a:pPr lvl="0" algn="l"/>
+            <a:r>
+              <a:rPr lang="en-US" altLang="zh-CN" sz="2800" dirty="0">
+                <a:solidFill>
+                  <a:srgbClr val="FF0000"/>
+                </a:solidFill>
+                <a:latin typeface="+mn-ea"/>
+                <a:cs typeface="+mn-ea"/>
+                <a:sym typeface="+mn-ea"/>
+              </a:rPr>
+              <a:t>2 </a:t>
+            </a:r>
+            <a:r>
+              <a:rPr lang="en-US" altLang="zh-CN" sz="2800" dirty="0" err="1" smtClean="0">
+                <a:solidFill>
+                  <a:srgbClr val="FF0000"/>
+                </a:solidFill>
+                <a:latin typeface="+mn-ea"/>
+                <a:cs typeface="+mn-ea"/>
+                <a:sym typeface="+mn-ea"/>
+              </a:rPr>
+              <a:t>常用指令</a:t>
+            </a:r>
+            <a:r>
+              <a:rPr lang="en-US" altLang="zh-CN" sz="2800" dirty="0" smtClean="0">
+                <a:solidFill>
+                  <a:srgbClr val="FF0000"/>
+                </a:solidFill>
+                <a:latin typeface="+mn-ea"/>
+                <a:cs typeface="+mn-ea"/>
+                <a:sym typeface="+mn-ea"/>
+              </a:rPr>
+              <a:t> </a:t>
+            </a:r>
+            <a:r>
+              <a:rPr lang="zh-CN" altLang="en-US" sz="2800" dirty="0" smtClean="0">
+                <a:solidFill>
+                  <a:srgbClr val="FF0000"/>
+                </a:solidFill>
+                <a:latin typeface="+mn-ea"/>
+                <a:cs typeface="+mn-ea"/>
+                <a:sym typeface="+mn-ea"/>
+              </a:rPr>
+              <a:t>组件</a:t>
+            </a:r>
+            <a:endParaRPr lang="zh-CN" altLang="en-US" sz="2800" dirty="0">
+              <a:latin typeface="+mn-ea"/>
+              <a:cs typeface="+mn-ea"/>
+              <a:sym typeface="+mn-ea"/>
+            </a:endParaRPr>
+          </a:p>
+        </p:txBody>
+      </p:sp>
     </p:spTree>
   </p:cSld>
   <p:clrMapOvr>
@@ -3058,7 +3069,14 @@
         <p:cNvGrpSpPr/>
         <p:nvPr/>
       </p:nvGrpSpPr>
-      <p:grpSpPr/>
+      <p:grpSpPr>
+        <a:xfrm>
+          <a:off x="0" y="0"/>
+          <a:ext cx="0" cy="0"/>
+          <a:chOff x="0" y="0"/>
+          <a:chExt cx="0" cy="0"/>
+        </a:xfrm>
+      </p:grpSpPr>
       <p:sp>
         <p:nvSpPr>
           <p:cNvPr id="3" name="圆角矩形 2"/>
@@ -3095,6 +3113,7 @@
         </p:style>
         <p:txBody>
           <a:bodyPr rtlCol="0" anchor="ctr"/>
+          <a:lstStyle/>
           <a:p>
             <a:pPr algn="ctr"/>
             <a:endParaRPr lang="zh-CN" altLang="en-US"/>
@@ -3103,14 +3122,14 @@
       </p:sp>
       <p:sp>
         <p:nvSpPr>
-          <p:cNvPr id="9" name="文本框 8"/>
+          <p:cNvPr id="5" name="文本框 4"/>
           <p:cNvSpPr txBox="1"/>
           <p:nvPr/>
         </p:nvSpPr>
         <p:spPr>
           <a:xfrm>
-            <a:off x="8899525" y="285115"/>
-            <a:ext cx="2949575" cy="521970"/>
+            <a:off x="332105" y="1466850"/>
+            <a:ext cx="2959735" cy="521970"/>
           </a:xfrm>
           <a:prstGeom prst="rect">
             <a:avLst/>
@@ -3121,48 +3140,33 @@
           <a:bodyPr wrap="square" rtlCol="0">
             <a:spAutoFit/>
           </a:bodyPr>
-          <a:p>
-            <a:pPr lvl="0" algn="l"/>
-            <a:r>
-              <a:rPr lang="en-US" altLang="zh-CN" sz="2800">
-                <a:solidFill>
-                  <a:srgbClr val="FF0000"/>
-                </a:solidFill>
-                <a:latin typeface="+mn-ea"/>
-                <a:cs typeface="+mn-ea"/>
-                <a:sym typeface="+mn-ea"/>
-              </a:rPr>
-              <a:t>2  常用指令  </a:t>
-            </a:r>
+          <a:lstStyle/>
+          <a:p>
+            <a:pPr algn="l"/>
             <a:r>
               <a:rPr lang="zh-CN" altLang="en-US" sz="2800">
                 <a:solidFill>
-                  <a:srgbClr val="FF0000"/>
-                </a:solidFill>
-                <a:latin typeface="+mn-ea"/>
-                <a:cs typeface="+mn-ea"/>
-                <a:sym typeface="+mn-ea"/>
-              </a:rPr>
-              <a:t>组件</a:t>
-            </a:r>
-            <a:endParaRPr lang="zh-CN" altLang="en-US" sz="2800">
-              <a:latin typeface="+mn-ea"/>
-              <a:cs typeface="+mn-ea"/>
-              <a:sym typeface="+mn-ea"/>
-            </a:endParaRPr>
-          </a:p>
-        </p:txBody>
-      </p:sp>
-      <p:sp>
-        <p:nvSpPr>
-          <p:cNvPr id="5" name="文本框 4"/>
+                  <a:schemeClr val="bg1">
+                    <a:lumMod val="85000"/>
+                  </a:schemeClr>
+                </a:solidFill>
+                <a:effectLst/>
+              </a:rPr>
+              <a:t>静态</a:t>
+            </a:r>
+          </a:p>
+        </p:txBody>
+      </p:sp>
+      <p:sp>
+        <p:nvSpPr>
+          <p:cNvPr id="4" name="文本框 3"/>
           <p:cNvSpPr txBox="1"/>
           <p:nvPr/>
         </p:nvSpPr>
         <p:spPr>
           <a:xfrm>
-            <a:off x="332105" y="1466850"/>
-            <a:ext cx="2959735" cy="521970"/>
+            <a:off x="332105" y="2328545"/>
+            <a:ext cx="2564765" cy="521970"/>
           </a:xfrm>
           <a:prstGeom prst="rect">
             <a:avLst/>
@@ -3173,6 +3177,7 @@
           <a:bodyPr wrap="square" rtlCol="0">
             <a:spAutoFit/>
           </a:bodyPr>
+          <a:lstStyle/>
           <a:p>
             <a:pPr algn="l"/>
             <a:r>
@@ -3184,29 +3189,21 @@
                 </a:solidFill>
                 <a:effectLst/>
               </a:rPr>
-              <a:t>静态</a:t>
-            </a:r>
-            <a:endParaRPr lang="zh-CN" altLang="en-US" sz="2800">
-              <a:solidFill>
-                <a:schemeClr val="bg1">
-                  <a:lumMod val="85000"/>
-                </a:schemeClr>
-              </a:solidFill>
-              <a:effectLst/>
-            </a:endParaRPr>
-          </a:p>
-        </p:txBody>
-      </p:sp>
-      <p:sp>
-        <p:nvSpPr>
-          <p:cNvPr id="4" name="文本框 3"/>
+              <a:t>单向传值</a:t>
+            </a:r>
+          </a:p>
+        </p:txBody>
+      </p:sp>
+      <p:sp>
+        <p:nvSpPr>
+          <p:cNvPr id="6" name="文本框 5"/>
           <p:cNvSpPr txBox="1"/>
           <p:nvPr/>
         </p:nvSpPr>
         <p:spPr>
           <a:xfrm>
-            <a:off x="332105" y="2328545"/>
-            <a:ext cx="2564765" cy="521970"/>
+            <a:off x="332105" y="3190240"/>
+            <a:ext cx="2959735" cy="521970"/>
           </a:xfrm>
           <a:prstGeom prst="rect">
             <a:avLst/>
@@ -3217,6 +3214,7 @@
           <a:bodyPr wrap="square" rtlCol="0">
             <a:spAutoFit/>
           </a:bodyPr>
+          <a:lstStyle/>
           <a:p>
             <a:pPr algn="l"/>
             <a:r>
@@ -3228,28 +3226,20 @@
                 </a:solidFill>
                 <a:effectLst/>
               </a:rPr>
-              <a:t>单向传值</a:t>
-            </a:r>
-            <a:endParaRPr lang="zh-CN" altLang="en-US" sz="2800">
-              <a:solidFill>
-                <a:schemeClr val="bg1">
-                  <a:lumMod val="85000"/>
-                </a:schemeClr>
-              </a:solidFill>
-              <a:effectLst/>
-            </a:endParaRPr>
-          </a:p>
-        </p:txBody>
-      </p:sp>
-      <p:sp>
-        <p:nvSpPr>
-          <p:cNvPr id="6" name="文本框 5"/>
+              <a:t>抛出事件</a:t>
+            </a:r>
+          </a:p>
+        </p:txBody>
+      </p:sp>
+      <p:sp>
+        <p:nvSpPr>
+          <p:cNvPr id="7" name="文本框 6"/>
           <p:cNvSpPr txBox="1"/>
           <p:nvPr/>
         </p:nvSpPr>
         <p:spPr>
           <a:xfrm>
-            <a:off x="332105" y="3190240"/>
+            <a:off x="332105" y="4051935"/>
             <a:ext cx="2959735" cy="521970"/>
           </a:xfrm>
           <a:prstGeom prst="rect">
@@ -3261,6 +3251,44 @@
           <a:bodyPr wrap="square" rtlCol="0">
             <a:spAutoFit/>
           </a:bodyPr>
+          <a:lstStyle/>
+          <a:p>
+            <a:pPr algn="l"/>
+            <a:r>
+              <a:rPr lang="zh-CN" altLang="en-US" sz="2800">
+                <a:solidFill>
+                  <a:schemeClr val="accent5">
+                    <a:lumMod val="75000"/>
+                  </a:schemeClr>
+                </a:solidFill>
+                <a:effectLst/>
+              </a:rPr>
+              <a:t>插槽</a:t>
+            </a:r>
+          </a:p>
+        </p:txBody>
+      </p:sp>
+      <p:sp>
+        <p:nvSpPr>
+          <p:cNvPr id="8" name="文本框 7"/>
+          <p:cNvSpPr txBox="1"/>
+          <p:nvPr/>
+        </p:nvSpPr>
+        <p:spPr>
+          <a:xfrm>
+            <a:off x="332105" y="4913630"/>
+            <a:ext cx="2959735" cy="521970"/>
+          </a:xfrm>
+          <a:prstGeom prst="rect">
+            <a:avLst/>
+          </a:prstGeom>
+          <a:noFill/>
+        </p:spPr>
+        <p:txBody>
+          <a:bodyPr wrap="square" rtlCol="0">
+            <a:spAutoFit/>
+          </a:bodyPr>
+          <a:lstStyle/>
           <a:p>
             <a:pPr algn="l"/>
             <a:r>
@@ -3272,29 +3300,21 @@
                 </a:solidFill>
                 <a:effectLst/>
               </a:rPr>
-              <a:t>抛出事件</a:t>
-            </a:r>
-            <a:endParaRPr lang="zh-CN" altLang="en-US" sz="2800">
-              <a:solidFill>
-                <a:schemeClr val="bg1">
-                  <a:lumMod val="85000"/>
-                </a:schemeClr>
-              </a:solidFill>
-              <a:effectLst/>
-            </a:endParaRPr>
-          </a:p>
-        </p:txBody>
-      </p:sp>
-      <p:sp>
-        <p:nvSpPr>
-          <p:cNvPr id="7" name="文本框 6"/>
+              <a:t>传值插槽</a:t>
+            </a:r>
+          </a:p>
+        </p:txBody>
+      </p:sp>
+      <p:sp>
+        <p:nvSpPr>
+          <p:cNvPr id="11" name="文本框 10"/>
           <p:cNvSpPr txBox="1"/>
           <p:nvPr/>
         </p:nvSpPr>
         <p:spPr>
           <a:xfrm>
-            <a:off x="332105" y="4051935"/>
-            <a:ext cx="2959735" cy="521970"/>
+            <a:off x="2634615" y="1466850"/>
+            <a:ext cx="9018270" cy="953135"/>
           </a:xfrm>
           <a:prstGeom prst="rect">
             <a:avLst/>
@@ -3305,100 +3325,12 @@
           <a:bodyPr wrap="square" rtlCol="0">
             <a:spAutoFit/>
           </a:bodyPr>
-          <a:p>
-            <a:pPr algn="l"/>
-            <a:r>
-              <a:rPr lang="zh-CN" altLang="en-US" sz="2800">
-                <a:solidFill>
-                  <a:schemeClr val="accent5">
-                    <a:lumMod val="75000"/>
-                  </a:schemeClr>
-                </a:solidFill>
-                <a:effectLst/>
-              </a:rPr>
-              <a:t>插槽</a:t>
-            </a:r>
-            <a:endParaRPr lang="zh-CN" altLang="en-US" sz="2800">
-              <a:solidFill>
-                <a:schemeClr val="accent5">
-                  <a:lumMod val="75000"/>
-                </a:schemeClr>
-              </a:solidFill>
-              <a:effectLst/>
-            </a:endParaRPr>
-          </a:p>
-        </p:txBody>
-      </p:sp>
-      <p:sp>
-        <p:nvSpPr>
-          <p:cNvPr id="8" name="文本框 7"/>
-          <p:cNvSpPr txBox="1"/>
-          <p:nvPr/>
-        </p:nvSpPr>
-        <p:spPr>
-          <a:xfrm>
-            <a:off x="332105" y="4913630"/>
-            <a:ext cx="2959735" cy="521970"/>
-          </a:xfrm>
-          <a:prstGeom prst="rect">
-            <a:avLst/>
-          </a:prstGeom>
-          <a:noFill/>
-        </p:spPr>
-        <p:txBody>
-          <a:bodyPr wrap="square" rtlCol="0">
-            <a:spAutoFit/>
-          </a:bodyPr>
-          <a:p>
-            <a:pPr algn="l"/>
-            <a:r>
-              <a:rPr lang="zh-CN" altLang="en-US" sz="2800">
-                <a:solidFill>
-                  <a:schemeClr val="bg1">
-                    <a:lumMod val="85000"/>
-                  </a:schemeClr>
-                </a:solidFill>
-                <a:effectLst/>
-              </a:rPr>
-              <a:t>传值插槽</a:t>
-            </a:r>
-            <a:endParaRPr lang="zh-CN" altLang="en-US" sz="2800">
-              <a:solidFill>
-                <a:schemeClr val="bg1">
-                  <a:lumMod val="85000"/>
-                </a:schemeClr>
-              </a:solidFill>
-              <a:effectLst/>
-            </a:endParaRPr>
-          </a:p>
-        </p:txBody>
-      </p:sp>
-      <p:sp>
-        <p:nvSpPr>
-          <p:cNvPr id="11" name="文本框 10"/>
-          <p:cNvSpPr txBox="1"/>
-          <p:nvPr/>
-        </p:nvSpPr>
-        <p:spPr>
-          <a:xfrm>
-            <a:off x="2634615" y="1466850"/>
-            <a:ext cx="9018270" cy="953135"/>
-          </a:xfrm>
-          <a:prstGeom prst="rect">
-            <a:avLst/>
-          </a:prstGeom>
-          <a:noFill/>
-        </p:spPr>
-        <p:txBody>
-          <a:bodyPr wrap="square" rtlCol="0">
-            <a:spAutoFit/>
-          </a:bodyPr>
-          <a:p>
-            <a:r>
-              <a:rPr lang="zh-CN" altLang="en-US" sz="2800"/>
+          <a:lstStyle/>
+          <a:p>
+            <a:r>
+              <a:rPr lang="zh-CN" altLang="en-US" sz="2800" dirty="0"/>
               <a:t>场景：卡片统一样式，但是卡片内部显示的内容却没有办法限制</a:t>
             </a:r>
-            <a:endParaRPr lang="zh-CN" altLang="en-US" sz="2800"/>
           </a:p>
         </p:txBody>
       </p:sp>
@@ -3411,7 +3343,7 @@
           <p:nvPr/>
         </p:nvPicPr>
         <p:blipFill>
-          <a:blip r:embed="rId1"/>
+          <a:blip r:embed="rId2"/>
           <a:stretch>
             <a:fillRect/>
           </a:stretch>
@@ -3435,7 +3367,7 @@
           <p:nvPr/>
         </p:nvPicPr>
         <p:blipFill>
-          <a:blip r:embed="rId2"/>
+          <a:blip r:embed="rId3"/>
           <a:stretch>
             <a:fillRect/>
           </a:stretch>
@@ -3450,6 +3382,81 @@
           </a:prstGeom>
         </p:spPr>
       </p:pic>
+      <p:sp>
+        <p:nvSpPr>
+          <p:cNvPr id="13" name="文本框 8"/>
+          <p:cNvSpPr txBox="1"/>
+          <p:nvPr/>
+        </p:nvSpPr>
+        <p:spPr>
+          <a:xfrm>
+            <a:off x="8899525" y="285115"/>
+            <a:ext cx="2949575" cy="523220"/>
+          </a:xfrm>
+          <a:prstGeom prst="rect">
+            <a:avLst/>
+          </a:prstGeom>
+          <a:noFill/>
+        </p:spPr>
+        <p:txBody>
+          <a:bodyPr wrap="square" rtlCol="0">
+            <a:spAutoFit/>
+          </a:bodyPr>
+          <a:lstStyle/>
+          <a:p>
+            <a:pPr lvl="0" algn="l"/>
+            <a:r>
+              <a:rPr lang="en-US" altLang="zh-CN" sz="2800" dirty="0">
+                <a:solidFill>
+                  <a:srgbClr val="FF0000"/>
+                </a:solidFill>
+                <a:latin typeface="+mn-ea"/>
+                <a:cs typeface="+mn-ea"/>
+                <a:sym typeface="+mn-ea"/>
+              </a:rPr>
+              <a:t>2 </a:t>
+            </a:r>
+            <a:r>
+              <a:rPr lang="en-US" altLang="zh-CN" sz="2800" dirty="0" err="1" smtClean="0">
+                <a:solidFill>
+                  <a:srgbClr val="FF0000"/>
+                </a:solidFill>
+                <a:latin typeface="+mn-ea"/>
+                <a:cs typeface="+mn-ea"/>
+                <a:sym typeface="+mn-ea"/>
+              </a:rPr>
+              <a:t>常用指令</a:t>
+            </a:r>
+            <a:r>
+              <a:rPr lang="en-US" altLang="zh-CN" sz="2800" dirty="0" smtClean="0">
+                <a:solidFill>
+                  <a:srgbClr val="FF0000"/>
+                </a:solidFill>
+                <a:latin typeface="+mn-ea"/>
+                <a:cs typeface="+mn-ea"/>
+                <a:sym typeface="+mn-ea"/>
+              </a:rPr>
+              <a:t> </a:t>
+            </a:r>
+            <a:r>
+              <a:rPr lang="zh-CN" altLang="en-US" sz="2800" dirty="0" smtClean="0">
+                <a:solidFill>
+                  <a:srgbClr val="FF0000"/>
+                </a:solidFill>
+                <a:latin typeface="+mn-ea"/>
+                <a:cs typeface="+mn-ea"/>
+                <a:sym typeface="+mn-ea"/>
+              </a:rPr>
+              <a:t>组件</a:t>
+            </a:r>
+            <a:endParaRPr lang="zh-CN" altLang="en-US" sz="2800" dirty="0">
+              <a:latin typeface="+mn-ea"/>
+              <a:cs typeface="+mn-ea"/>
+              <a:sym typeface="+mn-ea"/>
+            </a:endParaRPr>
+          </a:p>
+        </p:txBody>
+      </p:sp>
     </p:spTree>
   </p:cSld>
   <p:clrMapOvr>
@@ -3467,7 +3474,14 @@
         <p:cNvGrpSpPr/>
         <p:nvPr/>
       </p:nvGrpSpPr>
-      <p:grpSpPr/>
+      <p:grpSpPr>
+        <a:xfrm>
+          <a:off x="0" y="0"/>
+          <a:ext cx="0" cy="0"/>
+          <a:chOff x="0" y="0"/>
+          <a:chExt cx="0" cy="0"/>
+        </a:xfrm>
+      </p:grpSpPr>
       <p:sp>
         <p:nvSpPr>
           <p:cNvPr id="3" name="圆角矩形 2"/>
@@ -3504,6 +3518,7 @@
         </p:style>
         <p:txBody>
           <a:bodyPr rtlCol="0" anchor="ctr"/>
+          <a:lstStyle/>
           <a:p>
             <a:pPr algn="ctr"/>
             <a:endParaRPr lang="zh-CN" altLang="en-US"/>
@@ -3519,7 +3534,7 @@
         <p:spPr>
           <a:xfrm>
             <a:off x="8899525" y="285115"/>
-            <a:ext cx="2949575" cy="521970"/>
+            <a:ext cx="2949575" cy="523220"/>
           </a:xfrm>
           <a:prstGeom prst="rect">
             <a:avLst/>
@@ -3530,10 +3545,11 @@
           <a:bodyPr wrap="square" rtlCol="0">
             <a:spAutoFit/>
           </a:bodyPr>
+          <a:lstStyle/>
           <a:p>
             <a:pPr lvl="0" algn="l"/>
             <a:r>
-              <a:rPr lang="en-US" altLang="zh-CN" sz="2800">
+              <a:rPr lang="en-US" altLang="zh-CN" sz="2800" dirty="0">
                 <a:solidFill>
                   <a:srgbClr val="FF0000"/>
                 </a:solidFill>
@@ -3541,10 +3557,10 @@
                 <a:cs typeface="+mn-ea"/>
                 <a:sym typeface="+mn-ea"/>
               </a:rPr>
-              <a:t>2  常用指令  </a:t>
-            </a:r>
-            <a:r>
-              <a:rPr lang="zh-CN" altLang="en-US" sz="2800">
+              <a:t>2 </a:t>
+            </a:r>
+            <a:r>
+              <a:rPr lang="en-US" altLang="zh-CN" sz="2800" dirty="0" err="1" smtClean="0">
                 <a:solidFill>
                   <a:srgbClr val="FF0000"/>
                 </a:solidFill>
@@ -3552,9 +3568,31 @@
                 <a:cs typeface="+mn-ea"/>
                 <a:sym typeface="+mn-ea"/>
               </a:rPr>
+              <a:t>常用指令</a:t>
+            </a:r>
+            <a:r>
+              <a:rPr lang="en-US" altLang="zh-CN" sz="2800" dirty="0" smtClean="0">
+                <a:solidFill>
+                  <a:srgbClr val="FF0000"/>
+                </a:solidFill>
+                <a:latin typeface="+mn-ea"/>
+                <a:cs typeface="+mn-ea"/>
+                <a:sym typeface="+mn-ea"/>
+              </a:rPr>
+              <a:t> </a:t>
+            </a:r>
+            <a:r>
+              <a:rPr lang="zh-CN" altLang="en-US" sz="2800" dirty="0" smtClean="0">
+                <a:solidFill>
+                  <a:srgbClr val="FF0000"/>
+                </a:solidFill>
+                <a:latin typeface="+mn-ea"/>
+                <a:cs typeface="+mn-ea"/>
+                <a:sym typeface="+mn-ea"/>
+              </a:rPr>
               <a:t>组件</a:t>
             </a:r>
-            <a:endParaRPr lang="zh-CN" altLang="en-US" sz="2800">
+            <a:endParaRPr lang="zh-CN" altLang="en-US" sz="2800" dirty="0">
               <a:latin typeface="+mn-ea"/>
               <a:cs typeface="+mn-ea"/>
               <a:sym typeface="+mn-ea"/>
@@ -3582,6 +3620,7 @@
           <a:bodyPr wrap="square" rtlCol="0">
             <a:spAutoFit/>
           </a:bodyPr>
+          <a:lstStyle/>
           <a:p>
             <a:pPr algn="l"/>
             <a:r>
@@ -3595,14 +3634,6 @@
               </a:rPr>
               <a:t>静态</a:t>
             </a:r>
-            <a:endParaRPr lang="zh-CN" altLang="en-US" sz="2800">
-              <a:solidFill>
-                <a:schemeClr val="bg1">
-                  <a:lumMod val="85000"/>
-                </a:schemeClr>
-              </a:solidFill>
-              <a:effectLst/>
-            </a:endParaRPr>
           </a:p>
         </p:txBody>
       </p:sp>
@@ -3626,6 +3657,7 @@
           <a:bodyPr wrap="square" rtlCol="0">
             <a:spAutoFit/>
           </a:bodyPr>
+          <a:lstStyle/>
           <a:p>
             <a:pPr algn="l"/>
             <a:r>
@@ -3639,14 +3671,6 @@
               </a:rPr>
               <a:t>单向传值</a:t>
             </a:r>
-            <a:endParaRPr lang="zh-CN" altLang="en-US" sz="2800">
-              <a:solidFill>
-                <a:schemeClr val="bg1">
-                  <a:lumMod val="85000"/>
-                </a:schemeClr>
-              </a:solidFill>
-              <a:effectLst/>
-            </a:endParaRPr>
           </a:p>
         </p:txBody>
       </p:sp>
@@ -3670,6 +3694,7 @@
           <a:bodyPr wrap="square" rtlCol="0">
             <a:spAutoFit/>
           </a:bodyPr>
+          <a:lstStyle/>
           <a:p>
             <a:pPr algn="l"/>
             <a:r>
@@ -3683,14 +3708,6 @@
               </a:rPr>
               <a:t>抛出事件</a:t>
             </a:r>
-            <a:endParaRPr lang="zh-CN" altLang="en-US" sz="2800">
-              <a:solidFill>
-                <a:schemeClr val="bg1">
-                  <a:lumMod val="85000"/>
-                </a:schemeClr>
-              </a:solidFill>
-              <a:effectLst/>
-            </a:endParaRPr>
           </a:p>
         </p:txBody>
       </p:sp>
@@ -3714,6 +3731,7 @@
           <a:bodyPr wrap="square" rtlCol="0">
             <a:spAutoFit/>
           </a:bodyPr>
+          <a:lstStyle/>
           <a:p>
             <a:pPr algn="l"/>
             <a:r>
@@ -3727,14 +3745,6 @@
               </a:rPr>
               <a:t>插槽</a:t>
             </a:r>
-            <a:endParaRPr lang="zh-CN" altLang="en-US" sz="2800">
-              <a:solidFill>
-                <a:schemeClr val="bg1">
-                  <a:lumMod val="85000"/>
-                </a:schemeClr>
-              </a:solidFill>
-              <a:effectLst/>
-            </a:endParaRPr>
           </a:p>
         </p:txBody>
       </p:sp>
@@ -3758,6 +3768,7 @@
           <a:bodyPr wrap="square" rtlCol="0">
             <a:spAutoFit/>
           </a:bodyPr>
+          <a:lstStyle/>
           <a:p>
             <a:pPr algn="l"/>
             <a:r>
@@ -3771,14 +3782,6 @@
               </a:rPr>
               <a:t>传值插槽</a:t>
             </a:r>
-            <a:endParaRPr lang="zh-CN" altLang="en-US" sz="2800">
-              <a:solidFill>
-                <a:schemeClr val="accent5">
-                  <a:lumMod val="75000"/>
-                </a:schemeClr>
-              </a:solidFill>
-              <a:effectLst/>
-            </a:endParaRPr>
           </a:p>
         </p:txBody>
       </p:sp>
@@ -3791,7 +3794,7 @@
         <p:spPr>
           <a:xfrm>
             <a:off x="2634615" y="1466850"/>
-            <a:ext cx="9018270" cy="1383665"/>
+            <a:ext cx="9018270" cy="954107"/>
           </a:xfrm>
           <a:prstGeom prst="rect">
             <a:avLst/>
@@ -3802,36 +3805,33 @@
           <a:bodyPr wrap="square" rtlCol="0">
             <a:spAutoFit/>
           </a:bodyPr>
-          <a:p>
-            <a:r>
-              <a:rPr lang="zh-CN" altLang="en-US" sz="2800"/>
-              <a:t>场景：表格组件给了我插槽，我可以在插槽渲染超链接</a:t>
-            </a:r>
-            <a:r>
-              <a:rPr lang="en-US" altLang="zh-CN" sz="2800"/>
-              <a:t>/</a:t>
-            </a:r>
-            <a:r>
-              <a:rPr lang="zh-CN" altLang="en-US" sz="2800"/>
-              <a:t>图标</a:t>
-            </a:r>
-            <a:r>
-              <a:rPr lang="en-US" altLang="zh-CN" sz="2800"/>
-              <a:t>/</a:t>
-            </a:r>
-            <a:r>
-              <a:rPr lang="zh-CN" altLang="en-US" sz="2800"/>
-              <a:t>按钮，我想把这一行的</a:t>
-            </a:r>
-            <a:r>
-              <a:rPr lang="en-US" altLang="zh-CN" sz="2800"/>
+          <a:lstStyle/>
+          <a:p>
+            <a:r>
+              <a:rPr lang="zh-CN" altLang="en-US" sz="2800" dirty="0"/>
+              <a:t>场景：</a:t>
+            </a:r>
+            <a:r>
+              <a:rPr lang="zh-CN" altLang="en-US" sz="2800" dirty="0" smtClean="0"/>
+              <a:t>表格组件根据</a:t>
+            </a:r>
+            <a:r>
+              <a:rPr lang="en-US" altLang="zh-CN" sz="2800" dirty="0" smtClean="0"/>
               <a:t>id</a:t>
             </a:r>
             <a:r>
-              <a:rPr lang="zh-CN" altLang="en-US" sz="2800"/>
-              <a:t>绑定给删除按钮，但是只有表格组件知道每一行具体是什么</a:t>
-            </a:r>
-            <a:endParaRPr lang="zh-CN" altLang="en-US" sz="2800"/>
+              <a:rPr lang="zh-CN" altLang="en-US" sz="2800" dirty="0" smtClean="0"/>
+              <a:t>进行数据请求和渲染，现在需要插槽渲染一个删除按钮，父组件通过</a:t>
+            </a:r>
+            <a:r>
+              <a:rPr lang="en-US" altLang="zh-CN" sz="2800" dirty="0" smtClean="0"/>
+              <a:t>ID</a:t>
+            </a:r>
+            <a:r>
+              <a:rPr lang="zh-CN" altLang="en-US" sz="2800" dirty="0" smtClean="0"/>
+              <a:t>来删除某行数据</a:t>
+            </a:r>
+            <a:endParaRPr lang="zh-CN" altLang="en-US" sz="2800" dirty="0"/>
           </a:p>
         </p:txBody>
       </p:sp>
@@ -3844,7 +3844,7 @@
           <p:nvPr/>
         </p:nvPicPr>
         <p:blipFill>
-          <a:blip r:embed="rId1"/>
+          <a:blip r:embed="rId2"/>
           <a:stretch>
             <a:fillRect/>
           </a:stretch>
@@ -3876,7 +3876,14 @@
         <p:cNvGrpSpPr/>
         <p:nvPr/>
       </p:nvGrpSpPr>
-      <p:grpSpPr/>
+      <p:grpSpPr>
+        <a:xfrm>
+          <a:off x="0" y="0"/>
+          <a:ext cx="0" cy="0"/>
+          <a:chOff x="0" y="0"/>
+          <a:chExt cx="0" cy="0"/>
+        </a:xfrm>
+      </p:grpSpPr>
       <p:sp>
         <p:nvSpPr>
           <p:cNvPr id="3" name="圆角矩形 2"/>
@@ -3915,6 +3922,7 @@
         </p:style>
         <p:txBody>
           <a:bodyPr rtlCol="0" anchor="ctr"/>
+          <a:lstStyle/>
           <a:p>
             <a:pPr algn="ctr"/>
             <a:endParaRPr lang="zh-CN" altLang="en-US"/>
@@ -3941,6 +3949,7 @@
           <a:bodyPr wrap="square" rtlCol="0">
             <a:spAutoFit/>
           </a:bodyPr>
+          <a:lstStyle/>
           <a:p>
             <a:pPr lvl="0" algn="l"/>
             <a:r>
@@ -3969,16 +3978,6 @@
               </a:rPr>
               <a:t>项目实战</a:t>
             </a:r>
-            <a:endParaRPr lang="zh-CN" altLang="en-US" sz="2800">
-              <a:solidFill>
-                <a:schemeClr val="accent5">
-                  <a:lumMod val="75000"/>
-                </a:schemeClr>
-              </a:solidFill>
-              <a:latin typeface="+mn-ea"/>
-              <a:cs typeface="+mn-ea"/>
-              <a:sym typeface="+mn-ea"/>
-            </a:endParaRPr>
           </a:p>
         </p:txBody>
       </p:sp>
@@ -3991,7 +3990,7 @@
           <p:nvPr/>
         </p:nvPicPr>
         <p:blipFill>
-          <a:blip r:embed="rId1"/>
+          <a:blip r:embed="rId2"/>
           <a:stretch>
             <a:fillRect/>
           </a:stretch>
@@ -4040,6 +4039,7 @@
             <a:bodyPr wrap="square" rtlCol="0">
               <a:spAutoFit/>
             </a:bodyPr>
+            <a:lstStyle/>
             <a:p>
               <a:pPr algn="l"/>
               <a:r>
@@ -4055,16 +4055,6 @@
                 </a:rPr>
                 <a:t>Vuex</a:t>
               </a:r>
-              <a:endParaRPr lang="en-US" altLang="zh-CN" sz="2400">
-                <a:solidFill>
-                  <a:schemeClr val="accent5">
-                    <a:lumMod val="75000"/>
-                  </a:schemeClr>
-                </a:solidFill>
-                <a:effectLst>
-                  <a:reflection blurRad="6350" stA="50000" endA="300" endPos="50000" dist="60007" dir="5400000" sy="-100000" algn="bl" rotWithShape="0"/>
-                </a:effectLst>
-              </a:endParaRPr>
             </a:p>
           </p:txBody>
         </p:sp>
@@ -4088,6 +4078,7 @@
             <a:bodyPr wrap="square" rtlCol="0">
               <a:spAutoFit/>
             </a:bodyPr>
+            <a:lstStyle/>
             <a:p>
               <a:pPr algn="l"/>
               <a:r>
@@ -4103,16 +4094,6 @@
                 </a:rPr>
                 <a:t>Axios</a:t>
               </a:r>
-              <a:endParaRPr lang="en-US" altLang="zh-CN" sz="2400">
-                <a:solidFill>
-                  <a:schemeClr val="accent5">
-                    <a:lumMod val="75000"/>
-                  </a:schemeClr>
-                </a:solidFill>
-                <a:effectLst>
-                  <a:reflection blurRad="6350" stA="50000" endA="300" endPos="50000" dist="60007" dir="5400000" sy="-100000" algn="bl" rotWithShape="0"/>
-                </a:effectLst>
-              </a:endParaRPr>
             </a:p>
           </p:txBody>
         </p:sp>
@@ -4136,6 +4117,7 @@
             <a:bodyPr wrap="square" rtlCol="0">
               <a:spAutoFit/>
             </a:bodyPr>
+            <a:lstStyle/>
             <a:p>
               <a:pPr algn="l"/>
               <a:r>
@@ -4151,16 +4133,6 @@
                 </a:rPr>
                 <a:t>ant-design-vue</a:t>
               </a:r>
-              <a:endParaRPr lang="en-US" altLang="zh-CN" sz="2400">
-                <a:solidFill>
-                  <a:schemeClr val="accent5">
-                    <a:lumMod val="75000"/>
-                  </a:schemeClr>
-                </a:solidFill>
-                <a:effectLst>
-                  <a:reflection blurRad="6350" stA="50000" endA="300" endPos="50000" dist="60007" dir="5400000" sy="-100000" algn="bl" rotWithShape="0"/>
-                </a:effectLst>
-              </a:endParaRPr>
             </a:p>
           </p:txBody>
         </p:sp>
@@ -4184,6 +4156,7 @@
             <a:bodyPr wrap="square" rtlCol="0">
               <a:spAutoFit/>
             </a:bodyPr>
+            <a:lstStyle/>
             <a:p>
               <a:r>
                 <a:rPr lang="en-US" altLang="zh-CN" sz="2400">
@@ -4198,16 +4171,6 @@
                 </a:rPr>
                 <a:t>node.js</a:t>
               </a:r>
-              <a:endParaRPr lang="en-US" altLang="zh-CN" sz="2400">
-                <a:solidFill>
-                  <a:schemeClr val="accent5">
-                    <a:lumMod val="75000"/>
-                  </a:schemeClr>
-                </a:solidFill>
-                <a:effectLst>
-                  <a:reflection blurRad="6350" stA="50000" endA="300" endPos="50000" dist="60007" dir="5400000" sy="-100000" algn="bl" rotWithShape="0"/>
-                </a:effectLst>
-              </a:endParaRPr>
             </a:p>
           </p:txBody>
         </p:sp>
@@ -4231,6 +4194,7 @@
             <a:bodyPr wrap="square" rtlCol="0">
               <a:spAutoFit/>
             </a:bodyPr>
+            <a:lstStyle/>
             <a:p>
               <a:pPr algn="l"/>
               <a:r>
@@ -4246,16 +4210,6 @@
                 </a:rPr>
                 <a:t>VueRouter</a:t>
               </a:r>
-              <a:endParaRPr lang="en-US" altLang="zh-CN" sz="2400">
-                <a:solidFill>
-                  <a:schemeClr val="accent5">
-                    <a:lumMod val="75000"/>
-                  </a:schemeClr>
-                </a:solidFill>
-                <a:effectLst>
-                  <a:reflection blurRad="6350" stA="50000" endA="300" endPos="50000" dist="60007" dir="5400000" sy="-100000" algn="bl" rotWithShape="0"/>
-                </a:effectLst>
-              </a:endParaRPr>
             </a:p>
           </p:txBody>
         </p:sp>
@@ -4279,6 +4233,7 @@
             <a:bodyPr wrap="square" rtlCol="0">
               <a:spAutoFit/>
             </a:bodyPr>
+            <a:lstStyle/>
             <a:p>
               <a:pPr algn="l"/>
               <a:r>
@@ -4294,16 +4249,6 @@
                 </a:rPr>
                 <a:t>npm</a:t>
               </a:r>
-              <a:endParaRPr lang="en-US" altLang="zh-CN" sz="2400">
-                <a:solidFill>
-                  <a:schemeClr val="accent5">
-                    <a:lumMod val="75000"/>
-                  </a:schemeClr>
-                </a:solidFill>
-                <a:effectLst>
-                  <a:reflection blurRad="6350" stA="50000" endA="300" endPos="50000" dist="60007" dir="5400000" sy="-100000" algn="bl" rotWithShape="0"/>
-                </a:effectLst>
-              </a:endParaRPr>
             </a:p>
           </p:txBody>
         </p:sp>
@@ -4325,7 +4270,14 @@
         <p:cNvGrpSpPr/>
         <p:nvPr/>
       </p:nvGrpSpPr>
-      <p:grpSpPr/>
+      <p:grpSpPr>
+        <a:xfrm>
+          <a:off x="0" y="0"/>
+          <a:ext cx="0" cy="0"/>
+          <a:chOff x="0" y="0"/>
+          <a:chExt cx="0" cy="0"/>
+        </a:xfrm>
+      </p:grpSpPr>
       <p:sp>
         <p:nvSpPr>
           <p:cNvPr id="2" name="文本框 1"/>
@@ -4346,6 +4298,7 @@
           <a:bodyPr wrap="none" rtlCol="0">
             <a:spAutoFit/>
           </a:bodyPr>
+          <a:lstStyle/>
           <a:p>
             <a:pPr algn="l"/>
             <a:r>
@@ -4360,15 +4313,6 @@
               </a:rPr>
               <a:t>需要您对HTML CSS JS 浏览器有一定了解</a:t>
             </a:r>
-            <a:endParaRPr lang="en-US" altLang="zh-CN" sz="2800">
-              <a:solidFill>
-                <a:schemeClr val="accent5">
-                  <a:lumMod val="75000"/>
-                </a:schemeClr>
-              </a:solidFill>
-              <a:latin typeface="+mn-ea"/>
-              <a:cs typeface="+mn-ea"/>
-            </a:endParaRPr>
           </a:p>
           <a:p>
             <a:pPr algn="l"/>
@@ -4396,15 +4340,6 @@
               </a:rPr>
               <a:t>着重讲解常用部分</a:t>
             </a:r>
-            <a:endParaRPr lang="en-US" altLang="zh-CN" sz="2800">
-              <a:solidFill>
-                <a:schemeClr val="accent5">
-                  <a:lumMod val="75000"/>
-                </a:schemeClr>
-              </a:solidFill>
-              <a:latin typeface="+mn-ea"/>
-              <a:cs typeface="+mn-ea"/>
-            </a:endParaRPr>
           </a:p>
           <a:p>
             <a:pPr algn="l"/>
@@ -4504,13 +4439,6 @@
               </a:rPr>
               <a:t>前端项目开发</a:t>
             </a:r>
-            <a:endParaRPr lang="zh-CN" altLang="en-US" sz="2800" b="1">
-              <a:solidFill>
-                <a:srgbClr val="FF0000"/>
-              </a:solidFill>
-              <a:latin typeface="+mn-ea"/>
-              <a:cs typeface="+mn-ea"/>
-            </a:endParaRPr>
           </a:p>
         </p:txBody>
       </p:sp>
@@ -4531,7 +4459,14 @@
         <p:cNvGrpSpPr/>
         <p:nvPr/>
       </p:nvGrpSpPr>
-      <p:grpSpPr/>
+      <p:grpSpPr>
+        <a:xfrm>
+          <a:off x="0" y="0"/>
+          <a:ext cx="0" cy="0"/>
+          <a:chOff x="0" y="0"/>
+          <a:chExt cx="0" cy="0"/>
+        </a:xfrm>
+      </p:grpSpPr>
       <p:sp>
         <p:nvSpPr>
           <p:cNvPr id="3" name="圆角矩形 2"/>
@@ -4570,6 +4505,7 @@
         </p:style>
         <p:txBody>
           <a:bodyPr rtlCol="0" anchor="ctr"/>
+          <a:lstStyle/>
           <a:p>
             <a:pPr algn="ctr"/>
             <a:endParaRPr lang="zh-CN" altLang="en-US"/>
@@ -4612,6 +4548,7 @@
         </p:style>
         <p:txBody>
           <a:bodyPr rtlCol="0" anchor="ctr"/>
+          <a:lstStyle/>
           <a:p>
             <a:pPr algn="ctr"/>
             <a:endParaRPr lang="zh-CN" altLang="en-US"/>
@@ -4656,6 +4593,7 @@
         </p:style>
         <p:txBody>
           <a:bodyPr rtlCol="0" anchor="ctr"/>
+          <a:lstStyle/>
           <a:p>
             <a:pPr algn="ctr"/>
             <a:endParaRPr lang="zh-CN" altLang="en-US"/>
@@ -4682,6 +4620,7 @@
           <a:bodyPr wrap="square" rtlCol="0">
             <a:spAutoFit/>
           </a:bodyPr>
+          <a:lstStyle/>
           <a:p>
             <a:pPr lvl="0" algn="l"/>
             <a:r>
@@ -4706,14 +4645,6 @@
               </a:rPr>
               <a:t>组件</a:t>
             </a:r>
-            <a:endParaRPr lang="zh-CN" altLang="en-US" sz="2800">
-              <a:solidFill>
-                <a:srgbClr val="FF0000"/>
-              </a:solidFill>
-              <a:latin typeface="+mn-ea"/>
-              <a:cs typeface="+mn-ea"/>
-              <a:sym typeface="+mn-ea"/>
-            </a:endParaRPr>
           </a:p>
         </p:txBody>
       </p:sp>
@@ -4737,6 +4668,7 @@
           <a:bodyPr wrap="square" rtlCol="0">
             <a:spAutoFit/>
           </a:bodyPr>
+          <a:lstStyle/>
           <a:p>
             <a:pPr lvl="0" algn="l"/>
             <a:r>
@@ -4765,16 +4697,6 @@
               </a:rPr>
               <a:t>概览</a:t>
             </a:r>
-            <a:endParaRPr lang="zh-CN" altLang="en-US" sz="2800">
-              <a:solidFill>
-                <a:schemeClr val="accent5">
-                  <a:lumMod val="75000"/>
-                </a:schemeClr>
-              </a:solidFill>
-              <a:latin typeface="+mn-ea"/>
-              <a:cs typeface="+mn-ea"/>
-              <a:sym typeface="+mn-ea"/>
-            </a:endParaRPr>
           </a:p>
         </p:txBody>
       </p:sp>
@@ -4798,6 +4720,7 @@
           <a:bodyPr wrap="square" rtlCol="0">
             <a:spAutoFit/>
           </a:bodyPr>
+          <a:lstStyle/>
           <a:p>
             <a:pPr lvl="0" algn="l"/>
             <a:r>
@@ -4826,16 +4749,6 @@
               </a:rPr>
               <a:t>项目实战</a:t>
             </a:r>
-            <a:endParaRPr lang="zh-CN" altLang="en-US" sz="2800">
-              <a:solidFill>
-                <a:schemeClr val="accent5">
-                  <a:lumMod val="75000"/>
-                </a:schemeClr>
-              </a:solidFill>
-              <a:latin typeface="+mn-ea"/>
-              <a:cs typeface="+mn-ea"/>
-              <a:sym typeface="+mn-ea"/>
-            </a:endParaRPr>
           </a:p>
         </p:txBody>
       </p:sp>
@@ -4856,7 +4769,14 @@
         <p:cNvGrpSpPr/>
         <p:nvPr/>
       </p:nvGrpSpPr>
-      <p:grpSpPr/>
+      <p:grpSpPr>
+        <a:xfrm>
+          <a:off x="0" y="0"/>
+          <a:ext cx="0" cy="0"/>
+          <a:chOff x="0" y="0"/>
+          <a:chExt cx="0" cy="0"/>
+        </a:xfrm>
+      </p:grpSpPr>
       <p:sp>
         <p:nvSpPr>
           <p:cNvPr id="3" name="圆角矩形 2"/>
@@ -4888,6 +4808,7 @@
         </p:style>
         <p:txBody>
           <a:bodyPr rtlCol="0" anchor="ctr"/>
+          <a:lstStyle/>
           <a:p>
             <a:pPr algn="ctr"/>
             <a:endParaRPr lang="zh-CN" altLang="en-US"/>
@@ -4914,6 +4835,7 @@
           <a:bodyPr wrap="square" rtlCol="0">
             <a:spAutoFit/>
           </a:bodyPr>
+          <a:lstStyle/>
           <a:p>
             <a:pPr lvl="0" algn="l"/>
             <a:r>
@@ -4932,11 +4854,6 @@
               </a:rPr>
               <a:t>概览</a:t>
             </a:r>
-            <a:endParaRPr lang="zh-CN" altLang="en-US" sz="2800">
-              <a:latin typeface="+mn-ea"/>
-              <a:cs typeface="+mn-ea"/>
-              <a:sym typeface="+mn-ea"/>
-            </a:endParaRPr>
           </a:p>
         </p:txBody>
       </p:sp>
@@ -4960,6 +4877,7 @@
           <a:bodyPr wrap="none" rtlCol="0">
             <a:spAutoFit/>
           </a:bodyPr>
+          <a:lstStyle/>
           <a:p>
             <a:r>
               <a:rPr lang="en-US" altLang="zh-CN" sz="2400">
@@ -4975,17 +4893,6 @@
               </a:rPr>
               <a:t>JS</a:t>
             </a:r>
-            <a:endParaRPr lang="en-US" altLang="zh-CN" sz="2400">
-              <a:solidFill>
-                <a:schemeClr val="accent5">
-                  <a:lumMod val="60000"/>
-                  <a:lumOff val="40000"/>
-                </a:schemeClr>
-              </a:solidFill>
-              <a:effectLst>
-                <a:reflection blurRad="6350" stA="50000" endA="300" endPos="50000" dist="60007" dir="5400000" sy="-100000" algn="bl" rotWithShape="0"/>
-              </a:effectLst>
-            </a:endParaRPr>
           </a:p>
         </p:txBody>
       </p:sp>
@@ -5009,6 +4916,7 @@
           <a:bodyPr wrap="none" rtlCol="0">
             <a:spAutoFit/>
           </a:bodyPr>
+          <a:lstStyle/>
           <a:p>
             <a:pPr algn="l"/>
             <a:r>
@@ -5025,17 +4933,6 @@
               </a:rPr>
               <a:t>browser</a:t>
             </a:r>
-            <a:endParaRPr lang="zh-CN" altLang="en-US" sz="2400">
-              <a:solidFill>
-                <a:schemeClr val="accent5">
-                  <a:lumMod val="60000"/>
-                  <a:lumOff val="40000"/>
-                </a:schemeClr>
-              </a:solidFill>
-              <a:effectLst>
-                <a:reflection blurRad="6350" stA="50000" endA="300" endPos="50000" dist="60007" dir="5400000" sy="-100000" algn="bl" rotWithShape="0"/>
-              </a:effectLst>
-            </a:endParaRPr>
           </a:p>
         </p:txBody>
       </p:sp>
@@ -5059,6 +4956,7 @@
           <a:bodyPr wrap="none" rtlCol="0">
             <a:spAutoFit/>
           </a:bodyPr>
+          <a:lstStyle/>
           <a:p>
             <a:pPr lvl="0" algn="l"/>
             <a:r>
@@ -5076,18 +4974,6 @@
               </a:rPr>
               <a:t>HTML</a:t>
             </a:r>
-            <a:endParaRPr lang="en-US" altLang="zh-CN" sz="2400">
-              <a:solidFill>
-                <a:schemeClr val="accent5">
-                  <a:lumMod val="60000"/>
-                  <a:lumOff val="40000"/>
-                </a:schemeClr>
-              </a:solidFill>
-              <a:effectLst>
-                <a:reflection blurRad="6350" stA="50000" endA="300" endPos="50000" dist="60007" dir="5400000" sy="-100000" algn="bl" rotWithShape="0"/>
-              </a:effectLst>
-              <a:sym typeface="+mn-ea"/>
-            </a:endParaRPr>
           </a:p>
         </p:txBody>
       </p:sp>
@@ -5111,6 +4997,7 @@
           <a:bodyPr wrap="none" rtlCol="0">
             <a:spAutoFit/>
           </a:bodyPr>
+          <a:lstStyle/>
           <a:p>
             <a:r>
               <a:rPr lang="en-US" altLang="zh-CN" sz="2400">
@@ -5126,17 +5013,6 @@
               </a:rPr>
               <a:t>http</a:t>
             </a:r>
-            <a:endParaRPr lang="en-US" altLang="zh-CN" sz="2400">
-              <a:solidFill>
-                <a:schemeClr val="accent5">
-                  <a:lumMod val="60000"/>
-                  <a:lumOff val="40000"/>
-                </a:schemeClr>
-              </a:solidFill>
-              <a:effectLst>
-                <a:reflection blurRad="6350" stA="50000" endA="300" endPos="50000" dist="60007" dir="5400000" sy="-100000" algn="bl" rotWithShape="0"/>
-              </a:effectLst>
-            </a:endParaRPr>
           </a:p>
         </p:txBody>
       </p:sp>
@@ -5160,6 +5036,7 @@
           <a:bodyPr wrap="none" rtlCol="0">
             <a:spAutoFit/>
           </a:bodyPr>
+          <a:lstStyle/>
           <a:p>
             <a:r>
               <a:rPr lang="en-US" altLang="zh-CN" sz="2400">
@@ -5175,17 +5052,6 @@
               </a:rPr>
               <a:t>CSS</a:t>
             </a:r>
-            <a:endParaRPr lang="en-US" altLang="zh-CN" sz="2400">
-              <a:solidFill>
-                <a:schemeClr val="accent5">
-                  <a:lumMod val="60000"/>
-                  <a:lumOff val="40000"/>
-                </a:schemeClr>
-              </a:solidFill>
-              <a:effectLst>
-                <a:reflection blurRad="6350" stA="50000" endA="300" endPos="50000" dist="60007" dir="5400000" sy="-100000" algn="bl" rotWithShape="0"/>
-              </a:effectLst>
-            </a:endParaRPr>
           </a:p>
         </p:txBody>
       </p:sp>
@@ -5209,6 +5075,7 @@
           <a:bodyPr wrap="none" rtlCol="0">
             <a:spAutoFit/>
           </a:bodyPr>
+          <a:lstStyle/>
           <a:p>
             <a:pPr algn="l"/>
             <a:r>
@@ -5224,16 +5091,6 @@
               </a:rPr>
               <a:t>Vuex</a:t>
             </a:r>
-            <a:endParaRPr lang="en-US" altLang="zh-CN" sz="2400">
-              <a:solidFill>
-                <a:schemeClr val="accent5">
-                  <a:lumMod val="75000"/>
-                </a:schemeClr>
-              </a:solidFill>
-              <a:effectLst>
-                <a:reflection blurRad="6350" stA="50000" endA="300" endPos="50000" dist="60007" dir="5400000" sy="-100000" algn="bl" rotWithShape="0"/>
-              </a:effectLst>
-            </a:endParaRPr>
           </a:p>
         </p:txBody>
       </p:sp>
@@ -5257,6 +5114,7 @@
           <a:bodyPr wrap="none" rtlCol="0">
             <a:spAutoFit/>
           </a:bodyPr>
+          <a:lstStyle/>
           <a:p>
             <a:pPr algn="l"/>
             <a:r>
@@ -5272,16 +5130,6 @@
               </a:rPr>
               <a:t>webpack</a:t>
             </a:r>
-            <a:endParaRPr lang="en-US" altLang="zh-CN" sz="2400">
-              <a:solidFill>
-                <a:schemeClr val="accent5">
-                  <a:lumMod val="75000"/>
-                </a:schemeClr>
-              </a:solidFill>
-              <a:effectLst>
-                <a:reflection blurRad="6350" stA="50000" endA="300" endPos="50000" dist="60007" dir="5400000" sy="-100000" algn="bl" rotWithShape="0"/>
-              </a:effectLst>
-            </a:endParaRPr>
           </a:p>
         </p:txBody>
       </p:sp>
@@ -5305,6 +5153,7 @@
           <a:bodyPr wrap="none" rtlCol="0">
             <a:spAutoFit/>
           </a:bodyPr>
+          <a:lstStyle/>
           <a:p>
             <a:pPr algn="l"/>
             <a:r>
@@ -5320,16 +5169,6 @@
               </a:rPr>
               <a:t>Axios</a:t>
             </a:r>
-            <a:endParaRPr lang="en-US" altLang="zh-CN" sz="2400">
-              <a:solidFill>
-                <a:schemeClr val="accent5">
-                  <a:lumMod val="75000"/>
-                </a:schemeClr>
-              </a:solidFill>
-              <a:effectLst>
-                <a:reflection blurRad="6350" stA="50000" endA="300" endPos="50000" dist="60007" dir="5400000" sy="-100000" algn="bl" rotWithShape="0"/>
-              </a:effectLst>
-            </a:endParaRPr>
           </a:p>
         </p:txBody>
       </p:sp>
@@ -5353,6 +5192,7 @@
           <a:bodyPr wrap="none" rtlCol="0">
             <a:spAutoFit/>
           </a:bodyPr>
+          <a:lstStyle/>
           <a:p>
             <a:pPr algn="l"/>
             <a:r>
@@ -5368,16 +5208,6 @@
               </a:rPr>
               <a:t>ant-design-vue</a:t>
             </a:r>
-            <a:endParaRPr lang="en-US" altLang="zh-CN" sz="2400">
-              <a:solidFill>
-                <a:schemeClr val="accent5">
-                  <a:lumMod val="75000"/>
-                </a:schemeClr>
-              </a:solidFill>
-              <a:effectLst>
-                <a:reflection blurRad="6350" stA="50000" endA="300" endPos="50000" dist="60007" dir="5400000" sy="-100000" algn="bl" rotWithShape="0"/>
-              </a:effectLst>
-            </a:endParaRPr>
           </a:p>
         </p:txBody>
       </p:sp>
@@ -5401,6 +5231,7 @@
           <a:bodyPr wrap="none" rtlCol="0">
             <a:spAutoFit/>
           </a:bodyPr>
+          <a:lstStyle/>
           <a:p>
             <a:pPr algn="l"/>
             <a:r>
@@ -5416,16 +5247,6 @@
               </a:rPr>
               <a:t>Vue</a:t>
             </a:r>
-            <a:endParaRPr lang="en-US" altLang="zh-CN" sz="2400">
-              <a:solidFill>
-                <a:schemeClr val="accent5">
-                  <a:lumMod val="75000"/>
-                </a:schemeClr>
-              </a:solidFill>
-              <a:effectLst>
-                <a:reflection blurRad="6350" stA="50000" endA="300" endPos="50000" dist="60007" dir="5400000" sy="-100000" algn="bl" rotWithShape="0"/>
-              </a:effectLst>
-            </a:endParaRPr>
           </a:p>
         </p:txBody>
       </p:sp>
@@ -5449,6 +5270,7 @@
           <a:bodyPr wrap="none" rtlCol="0">
             <a:spAutoFit/>
           </a:bodyPr>
+          <a:lstStyle/>
           <a:p>
             <a:r>
               <a:rPr lang="en-US" altLang="zh-CN" sz="2400">
@@ -5463,16 +5285,6 @@
               </a:rPr>
               <a:t>node.js</a:t>
             </a:r>
-            <a:endParaRPr lang="en-US" altLang="zh-CN" sz="2400">
-              <a:solidFill>
-                <a:schemeClr val="accent5">
-                  <a:lumMod val="75000"/>
-                </a:schemeClr>
-              </a:solidFill>
-              <a:effectLst>
-                <a:reflection blurRad="6350" stA="50000" endA="300" endPos="50000" dist="60007" dir="5400000" sy="-100000" algn="bl" rotWithShape="0"/>
-              </a:effectLst>
-            </a:endParaRPr>
           </a:p>
         </p:txBody>
       </p:sp>
@@ -5496,6 +5308,7 @@
           <a:bodyPr wrap="none" rtlCol="0">
             <a:spAutoFit/>
           </a:bodyPr>
+          <a:lstStyle/>
           <a:p>
             <a:pPr algn="l"/>
             <a:r>
@@ -5511,16 +5324,6 @@
               </a:rPr>
               <a:t>VueRouter</a:t>
             </a:r>
-            <a:endParaRPr lang="en-US" altLang="zh-CN" sz="2400">
-              <a:solidFill>
-                <a:schemeClr val="accent5">
-                  <a:lumMod val="75000"/>
-                </a:schemeClr>
-              </a:solidFill>
-              <a:effectLst>
-                <a:reflection blurRad="6350" stA="50000" endA="300" endPos="50000" dist="60007" dir="5400000" sy="-100000" algn="bl" rotWithShape="0"/>
-              </a:effectLst>
-            </a:endParaRPr>
           </a:p>
         </p:txBody>
       </p:sp>
@@ -5544,6 +5347,7 @@
           <a:bodyPr wrap="none" rtlCol="0">
             <a:spAutoFit/>
           </a:bodyPr>
+          <a:lstStyle/>
           <a:p>
             <a:pPr algn="l"/>
             <a:r>
@@ -5559,16 +5363,6 @@
               </a:rPr>
               <a:t>npm</a:t>
             </a:r>
-            <a:endParaRPr lang="en-US" altLang="zh-CN" sz="2400">
-              <a:solidFill>
-                <a:schemeClr val="accent5">
-                  <a:lumMod val="75000"/>
-                </a:schemeClr>
-              </a:solidFill>
-              <a:effectLst>
-                <a:reflection blurRad="6350" stA="50000" endA="300" endPos="50000" dist="60007" dir="5400000" sy="-100000" algn="bl" rotWithShape="0"/>
-              </a:effectLst>
-            </a:endParaRPr>
           </a:p>
         </p:txBody>
       </p:sp>
@@ -5589,7 +5383,14 @@
         <p:cNvGrpSpPr/>
         <p:nvPr/>
       </p:nvGrpSpPr>
-      <p:grpSpPr/>
+      <p:grpSpPr>
+        <a:xfrm>
+          <a:off x="0" y="0"/>
+          <a:ext cx="0" cy="0"/>
+          <a:chOff x="0" y="0"/>
+          <a:chExt cx="0" cy="0"/>
+        </a:xfrm>
+      </p:grpSpPr>
       <p:sp>
         <p:nvSpPr>
           <p:cNvPr id="3" name="圆角矩形 2"/>
@@ -5626,6 +5427,7 @@
         </p:style>
         <p:txBody>
           <a:bodyPr rtlCol="0" anchor="ctr"/>
+          <a:lstStyle/>
           <a:p>
             <a:pPr algn="ctr"/>
             <a:endParaRPr lang="zh-CN" altLang="en-US"/>
@@ -5634,14 +5436,14 @@
       </p:sp>
       <p:sp>
         <p:nvSpPr>
-          <p:cNvPr id="9" name="文本框 8"/>
+          <p:cNvPr id="5" name="文本框 4"/>
           <p:cNvSpPr txBox="1"/>
           <p:nvPr/>
         </p:nvSpPr>
         <p:spPr>
           <a:xfrm>
-            <a:off x="8899525" y="285115"/>
-            <a:ext cx="2949575" cy="521970"/>
+            <a:off x="4615815" y="1661160"/>
+            <a:ext cx="2959735" cy="521970"/>
           </a:xfrm>
           <a:prstGeom prst="rect">
             <a:avLst/>
@@ -5652,10 +5454,366 @@
           <a:bodyPr wrap="square" rtlCol="0">
             <a:spAutoFit/>
           </a:bodyPr>
+          <a:lstStyle/>
+          <a:p>
+            <a:pPr algn="l"/>
+            <a:r>
+              <a:rPr lang="zh-CN" altLang="en-US" sz="2800">
+                <a:solidFill>
+                  <a:srgbClr val="FF0000"/>
+                </a:solidFill>
+                <a:effectLst/>
+              </a:rPr>
+              <a:t>静态</a:t>
+            </a:r>
+          </a:p>
+        </p:txBody>
+      </p:sp>
+      <p:sp>
+        <p:nvSpPr>
+          <p:cNvPr id="2" name="文本框 1"/>
+          <p:cNvSpPr txBox="1"/>
+          <p:nvPr/>
+        </p:nvSpPr>
+        <p:spPr>
+          <a:xfrm>
+            <a:off x="4615815" y="2522855"/>
+            <a:ext cx="2564765" cy="521970"/>
+          </a:xfrm>
+          <a:prstGeom prst="rect">
+            <a:avLst/>
+          </a:prstGeom>
+          <a:noFill/>
+        </p:spPr>
+        <p:txBody>
+          <a:bodyPr wrap="square" rtlCol="0">
+            <a:spAutoFit/>
+          </a:bodyPr>
+          <a:lstStyle/>
+          <a:p>
+            <a:pPr algn="l"/>
+            <a:r>
+              <a:rPr lang="zh-CN" altLang="en-US" sz="2800">
+                <a:solidFill>
+                  <a:srgbClr val="FF0000"/>
+                </a:solidFill>
+                <a:effectLst/>
+              </a:rPr>
+              <a:t>单向传值</a:t>
+            </a:r>
+          </a:p>
+        </p:txBody>
+      </p:sp>
+      <p:sp>
+        <p:nvSpPr>
+          <p:cNvPr id="6" name="文本框 5"/>
+          <p:cNvSpPr txBox="1"/>
+          <p:nvPr/>
+        </p:nvSpPr>
+        <p:spPr>
+          <a:xfrm>
+            <a:off x="4615815" y="3384550"/>
+            <a:ext cx="2959735" cy="521970"/>
+          </a:xfrm>
+          <a:prstGeom prst="rect">
+            <a:avLst/>
+          </a:prstGeom>
+          <a:noFill/>
+        </p:spPr>
+        <p:txBody>
+          <a:bodyPr wrap="square" rtlCol="0">
+            <a:spAutoFit/>
+          </a:bodyPr>
+          <a:lstStyle/>
+          <a:p>
+            <a:pPr algn="l"/>
+            <a:r>
+              <a:rPr lang="zh-CN" altLang="en-US" sz="2800">
+                <a:solidFill>
+                  <a:srgbClr val="FF0000"/>
+                </a:solidFill>
+                <a:effectLst/>
+              </a:rPr>
+              <a:t>抛出事件</a:t>
+            </a:r>
+          </a:p>
+        </p:txBody>
+      </p:sp>
+      <p:sp>
+        <p:nvSpPr>
+          <p:cNvPr id="7" name="文本框 6"/>
+          <p:cNvSpPr txBox="1"/>
+          <p:nvPr/>
+        </p:nvSpPr>
+        <p:spPr>
+          <a:xfrm>
+            <a:off x="4615815" y="4246245"/>
+            <a:ext cx="2959735" cy="521970"/>
+          </a:xfrm>
+          <a:prstGeom prst="rect">
+            <a:avLst/>
+          </a:prstGeom>
+          <a:noFill/>
+        </p:spPr>
+        <p:txBody>
+          <a:bodyPr wrap="square" rtlCol="0">
+            <a:spAutoFit/>
+          </a:bodyPr>
+          <a:lstStyle/>
+          <a:p>
+            <a:pPr algn="l"/>
+            <a:r>
+              <a:rPr lang="zh-CN" altLang="en-US" sz="2800">
+                <a:solidFill>
+                  <a:srgbClr val="FF0000"/>
+                </a:solidFill>
+                <a:effectLst/>
+              </a:rPr>
+              <a:t>插槽</a:t>
+            </a:r>
+          </a:p>
+        </p:txBody>
+      </p:sp>
+      <p:sp>
+        <p:nvSpPr>
+          <p:cNvPr id="8" name="文本框 7"/>
+          <p:cNvSpPr txBox="1"/>
+          <p:nvPr/>
+        </p:nvSpPr>
+        <p:spPr>
+          <a:xfrm>
+            <a:off x="4615815" y="5107940"/>
+            <a:ext cx="2959735" cy="521970"/>
+          </a:xfrm>
+          <a:prstGeom prst="rect">
+            <a:avLst/>
+          </a:prstGeom>
+          <a:noFill/>
+        </p:spPr>
+        <p:txBody>
+          <a:bodyPr wrap="square" rtlCol="0">
+            <a:spAutoFit/>
+          </a:bodyPr>
+          <a:lstStyle/>
+          <a:p>
+            <a:pPr algn="l"/>
+            <a:r>
+              <a:rPr lang="zh-CN" altLang="en-US" sz="2800">
+                <a:solidFill>
+                  <a:srgbClr val="FF0000"/>
+                </a:solidFill>
+                <a:effectLst/>
+              </a:rPr>
+              <a:t>传值插槽</a:t>
+            </a:r>
+          </a:p>
+        </p:txBody>
+      </p:sp>
+      <p:sp>
+        <p:nvSpPr>
+          <p:cNvPr id="14" name="文本框 13"/>
+          <p:cNvSpPr txBox="1"/>
+          <p:nvPr/>
+        </p:nvSpPr>
+        <p:spPr>
+          <a:xfrm>
+            <a:off x="1498600" y="2439035"/>
+            <a:ext cx="926465" cy="521970"/>
+          </a:xfrm>
+          <a:prstGeom prst="rect">
+            <a:avLst/>
+          </a:prstGeom>
+          <a:noFill/>
+        </p:spPr>
+        <p:txBody>
+          <a:bodyPr wrap="none" rtlCol="0">
+            <a:spAutoFit/>
+          </a:bodyPr>
+          <a:lstStyle/>
+          <a:p>
+            <a:pPr algn="l"/>
+            <a:r>
+              <a:rPr lang="en-US" altLang="zh-CN" sz="2800">
+                <a:solidFill>
+                  <a:srgbClr val="FF0000"/>
+                </a:solidFill>
+                <a:effectLst/>
+                <a:sym typeface="+mn-ea"/>
+              </a:rPr>
+              <a:t>v-for</a:t>
+            </a:r>
+          </a:p>
+        </p:txBody>
+      </p:sp>
+      <p:sp>
+        <p:nvSpPr>
+          <p:cNvPr id="15" name="文本框 14"/>
+          <p:cNvSpPr txBox="1"/>
+          <p:nvPr/>
+        </p:nvSpPr>
+        <p:spPr>
+          <a:xfrm>
+            <a:off x="1498600" y="3328670"/>
+            <a:ext cx="683260" cy="521970"/>
+          </a:xfrm>
+          <a:prstGeom prst="rect">
+            <a:avLst/>
+          </a:prstGeom>
+          <a:noFill/>
+        </p:spPr>
+        <p:txBody>
+          <a:bodyPr wrap="none" rtlCol="0">
+            <a:spAutoFit/>
+          </a:bodyPr>
+          <a:lstStyle/>
+          <a:p>
+            <a:pPr algn="l"/>
+            <a:r>
+              <a:rPr lang="en-US" altLang="zh-CN" sz="2800">
+                <a:solidFill>
+                  <a:srgbClr val="FF0000"/>
+                </a:solidFill>
+                <a:effectLst/>
+                <a:sym typeface="+mn-ea"/>
+              </a:rPr>
+              <a:t>v-if</a:t>
+            </a:r>
+          </a:p>
+        </p:txBody>
+      </p:sp>
+      <p:sp>
+        <p:nvSpPr>
+          <p:cNvPr id="16" name="文本框 15"/>
+          <p:cNvSpPr txBox="1"/>
+          <p:nvPr/>
+        </p:nvSpPr>
+        <p:spPr>
+          <a:xfrm>
+            <a:off x="1498600" y="4218305"/>
+            <a:ext cx="1196975" cy="521970"/>
+          </a:xfrm>
+          <a:prstGeom prst="rect">
+            <a:avLst/>
+          </a:prstGeom>
+          <a:noFill/>
+        </p:spPr>
+        <p:txBody>
+          <a:bodyPr wrap="none" rtlCol="0">
+            <a:spAutoFit/>
+          </a:bodyPr>
+          <a:lstStyle/>
+          <a:p>
+            <a:pPr algn="l"/>
+            <a:r>
+              <a:rPr lang="en-US" altLang="zh-CN" sz="2800">
+                <a:solidFill>
+                  <a:srgbClr val="FF0000"/>
+                </a:solidFill>
+                <a:effectLst/>
+                <a:sym typeface="+mn-ea"/>
+              </a:rPr>
+              <a:t>v-bind</a:t>
+            </a:r>
+          </a:p>
+        </p:txBody>
+      </p:sp>
+      <p:sp>
+        <p:nvSpPr>
+          <p:cNvPr id="17" name="文本框 16"/>
+          <p:cNvSpPr txBox="1"/>
+          <p:nvPr/>
+        </p:nvSpPr>
+        <p:spPr>
+          <a:xfrm>
+            <a:off x="1498600" y="5107940"/>
+            <a:ext cx="900430" cy="521970"/>
+          </a:xfrm>
+          <a:prstGeom prst="rect">
+            <a:avLst/>
+          </a:prstGeom>
+          <a:noFill/>
+        </p:spPr>
+        <p:txBody>
+          <a:bodyPr wrap="none" rtlCol="0">
+            <a:spAutoFit/>
+          </a:bodyPr>
+          <a:lstStyle/>
+          <a:p>
+            <a:pPr algn="l"/>
+            <a:r>
+              <a:rPr lang="en-US" altLang="zh-CN" sz="2800">
+                <a:solidFill>
+                  <a:srgbClr val="FF0000"/>
+                </a:solidFill>
+                <a:effectLst/>
+                <a:sym typeface="+mn-ea"/>
+              </a:rPr>
+              <a:t>v-on</a:t>
+            </a:r>
+          </a:p>
+        </p:txBody>
+      </p:sp>
+      <p:sp>
+        <p:nvSpPr>
+          <p:cNvPr id="18" name="文本框 17"/>
+          <p:cNvSpPr txBox="1"/>
+          <p:nvPr/>
+        </p:nvSpPr>
+        <p:spPr>
+          <a:xfrm>
+            <a:off x="1498600" y="1549400"/>
+            <a:ext cx="1487170" cy="521970"/>
+          </a:xfrm>
+          <a:prstGeom prst="rect">
+            <a:avLst/>
+          </a:prstGeom>
+          <a:noFill/>
+        </p:spPr>
+        <p:txBody>
+          <a:bodyPr wrap="none" rtlCol="0">
+            <a:spAutoFit/>
+          </a:bodyPr>
+          <a:lstStyle/>
+          <a:p>
+            <a:pPr algn="l"/>
+            <a:r>
+              <a:rPr lang="en-US" altLang="zh-CN" sz="2800">
+                <a:solidFill>
+                  <a:srgbClr val="FF0000"/>
+                </a:solidFill>
+                <a:effectLst/>
+                <a:sym typeface="+mn-ea"/>
+              </a:rPr>
+              <a:t>v-model</a:t>
+            </a:r>
+          </a:p>
+        </p:txBody>
+      </p:sp>
+      <p:sp>
+        <p:nvSpPr>
+          <p:cNvPr id="19" name="文本框 8"/>
+          <p:cNvSpPr txBox="1"/>
+          <p:nvPr/>
+        </p:nvSpPr>
+        <p:spPr>
+          <a:xfrm>
+            <a:off x="8899525" y="285115"/>
+            <a:ext cx="2949575" cy="523220"/>
+          </a:xfrm>
+          <a:prstGeom prst="rect">
+            <a:avLst/>
+          </a:prstGeom>
+          <a:noFill/>
+        </p:spPr>
+        <p:txBody>
+          <a:bodyPr wrap="square" rtlCol="0">
+            <a:spAutoFit/>
+          </a:bodyPr>
+          <a:lstStyle/>
           <a:p>
             <a:pPr lvl="0" algn="l"/>
             <a:r>
-              <a:rPr lang="en-US" altLang="zh-CN" sz="2800">
+              <a:rPr lang="en-US" altLang="zh-CN" sz="2800" dirty="0">
                 <a:solidFill>
                   <a:srgbClr val="FF0000"/>
                 </a:solidFill>
@@ -5663,10 +5821,10 @@
                 <a:cs typeface="+mn-ea"/>
                 <a:sym typeface="+mn-ea"/>
               </a:rPr>
-              <a:t>2  常用指令  </a:t>
-            </a:r>
-            <a:r>
-              <a:rPr lang="zh-CN" altLang="en-US" sz="2800">
+              <a:t>2 </a:t>
+            </a:r>
+            <a:r>
+              <a:rPr lang="en-US" altLang="zh-CN" sz="2800" dirty="0" err="1" smtClean="0">
                 <a:solidFill>
                   <a:srgbClr val="FF0000"/>
                 </a:solidFill>
@@ -5674,421 +5832,33 @@
                 <a:cs typeface="+mn-ea"/>
                 <a:sym typeface="+mn-ea"/>
               </a:rPr>
+              <a:t>常用指令</a:t>
+            </a:r>
+            <a:r>
+              <a:rPr lang="en-US" altLang="zh-CN" sz="2800" dirty="0" smtClean="0">
+                <a:solidFill>
+                  <a:srgbClr val="FF0000"/>
+                </a:solidFill>
+                <a:latin typeface="+mn-ea"/>
+                <a:cs typeface="+mn-ea"/>
+                <a:sym typeface="+mn-ea"/>
+              </a:rPr>
+              <a:t> </a:t>
+            </a:r>
+            <a:r>
+              <a:rPr lang="zh-CN" altLang="en-US" sz="2800" dirty="0" smtClean="0">
+                <a:solidFill>
+                  <a:srgbClr val="FF0000"/>
+                </a:solidFill>
+                <a:latin typeface="+mn-ea"/>
+                <a:cs typeface="+mn-ea"/>
+                <a:sym typeface="+mn-ea"/>
+              </a:rPr>
               <a:t>组件</a:t>
             </a:r>
-            <a:endParaRPr lang="zh-CN" altLang="en-US" sz="2800">
+            <a:endParaRPr lang="zh-CN" altLang="en-US" sz="2800" dirty="0">
               <a:latin typeface="+mn-ea"/>
               <a:cs typeface="+mn-ea"/>
-              <a:sym typeface="+mn-ea"/>
-            </a:endParaRPr>
-          </a:p>
-        </p:txBody>
-      </p:sp>
-      <p:sp>
-        <p:nvSpPr>
-          <p:cNvPr id="5" name="文本框 4"/>
-          <p:cNvSpPr txBox="1"/>
-          <p:nvPr/>
-        </p:nvSpPr>
-        <p:spPr>
-          <a:xfrm>
-            <a:off x="4615815" y="1661160"/>
-            <a:ext cx="2959735" cy="521970"/>
-          </a:xfrm>
-          <a:prstGeom prst="rect">
-            <a:avLst/>
-          </a:prstGeom>
-          <a:noFill/>
-        </p:spPr>
-        <p:txBody>
-          <a:bodyPr wrap="square" rtlCol="0">
-            <a:spAutoFit/>
-          </a:bodyPr>
-          <a:p>
-            <a:pPr algn="l"/>
-            <a:r>
-              <a:rPr lang="zh-CN" altLang="en-US" sz="2800">
-                <a:solidFill>
-                  <a:srgbClr val="FF0000"/>
-                </a:solidFill>
-                <a:effectLst/>
-              </a:rPr>
-              <a:t>静态</a:t>
-            </a:r>
-            <a:endParaRPr lang="zh-CN" altLang="en-US" sz="2800">
-              <a:solidFill>
-                <a:srgbClr val="FF0000"/>
-              </a:solidFill>
-              <a:effectLst/>
-            </a:endParaRPr>
-          </a:p>
-        </p:txBody>
-      </p:sp>
-      <p:sp>
-        <p:nvSpPr>
-          <p:cNvPr id="2" name="文本框 1"/>
-          <p:cNvSpPr txBox="1"/>
-          <p:nvPr/>
-        </p:nvSpPr>
-        <p:spPr>
-          <a:xfrm>
-            <a:off x="4615815" y="2522855"/>
-            <a:ext cx="2564765" cy="521970"/>
-          </a:xfrm>
-          <a:prstGeom prst="rect">
-            <a:avLst/>
-          </a:prstGeom>
-          <a:noFill/>
-        </p:spPr>
-        <p:txBody>
-          <a:bodyPr wrap="square" rtlCol="0">
-            <a:spAutoFit/>
-          </a:bodyPr>
-          <a:p>
-            <a:pPr algn="l"/>
-            <a:r>
-              <a:rPr lang="zh-CN" altLang="en-US" sz="2800">
-                <a:solidFill>
-                  <a:srgbClr val="FF0000"/>
-                </a:solidFill>
-                <a:effectLst/>
-              </a:rPr>
-              <a:t>单向传值</a:t>
-            </a:r>
-            <a:endParaRPr lang="zh-CN" altLang="en-US" sz="2800">
-              <a:solidFill>
-                <a:srgbClr val="FF0000"/>
-              </a:solidFill>
-              <a:effectLst/>
-            </a:endParaRPr>
-          </a:p>
-        </p:txBody>
-      </p:sp>
-      <p:sp>
-        <p:nvSpPr>
-          <p:cNvPr id="6" name="文本框 5"/>
-          <p:cNvSpPr txBox="1"/>
-          <p:nvPr/>
-        </p:nvSpPr>
-        <p:spPr>
-          <a:xfrm>
-            <a:off x="4615815" y="3384550"/>
-            <a:ext cx="2959735" cy="521970"/>
-          </a:xfrm>
-          <a:prstGeom prst="rect">
-            <a:avLst/>
-          </a:prstGeom>
-          <a:noFill/>
-        </p:spPr>
-        <p:txBody>
-          <a:bodyPr wrap="square" rtlCol="0">
-            <a:spAutoFit/>
-          </a:bodyPr>
-          <a:p>
-            <a:pPr algn="l"/>
-            <a:r>
-              <a:rPr lang="zh-CN" altLang="en-US" sz="2800">
-                <a:solidFill>
-                  <a:srgbClr val="FF0000"/>
-                </a:solidFill>
-                <a:effectLst/>
-              </a:rPr>
-              <a:t>抛出事件</a:t>
-            </a:r>
-            <a:endParaRPr lang="zh-CN" altLang="en-US" sz="2800">
-              <a:solidFill>
-                <a:srgbClr val="FF0000"/>
-              </a:solidFill>
-              <a:effectLst/>
-            </a:endParaRPr>
-          </a:p>
-        </p:txBody>
-      </p:sp>
-      <p:sp>
-        <p:nvSpPr>
-          <p:cNvPr id="7" name="文本框 6"/>
-          <p:cNvSpPr txBox="1"/>
-          <p:nvPr/>
-        </p:nvSpPr>
-        <p:spPr>
-          <a:xfrm>
-            <a:off x="4615815" y="4246245"/>
-            <a:ext cx="2959735" cy="521970"/>
-          </a:xfrm>
-          <a:prstGeom prst="rect">
-            <a:avLst/>
-          </a:prstGeom>
-          <a:noFill/>
-        </p:spPr>
-        <p:txBody>
-          <a:bodyPr wrap="square" rtlCol="0">
-            <a:spAutoFit/>
-          </a:bodyPr>
-          <a:p>
-            <a:pPr algn="l"/>
-            <a:r>
-              <a:rPr lang="zh-CN" altLang="en-US" sz="2800">
-                <a:solidFill>
-                  <a:srgbClr val="FF0000"/>
-                </a:solidFill>
-                <a:effectLst/>
-              </a:rPr>
-              <a:t>插槽</a:t>
-            </a:r>
-            <a:endParaRPr lang="zh-CN" altLang="en-US" sz="2800">
-              <a:solidFill>
-                <a:srgbClr val="FF0000"/>
-              </a:solidFill>
-              <a:effectLst/>
-            </a:endParaRPr>
-          </a:p>
-        </p:txBody>
-      </p:sp>
-      <p:sp>
-        <p:nvSpPr>
-          <p:cNvPr id="8" name="文本框 7"/>
-          <p:cNvSpPr txBox="1"/>
-          <p:nvPr/>
-        </p:nvSpPr>
-        <p:spPr>
-          <a:xfrm>
-            <a:off x="4615815" y="5107940"/>
-            <a:ext cx="2959735" cy="521970"/>
-          </a:xfrm>
-          <a:prstGeom prst="rect">
-            <a:avLst/>
-          </a:prstGeom>
-          <a:noFill/>
-        </p:spPr>
-        <p:txBody>
-          <a:bodyPr wrap="square" rtlCol="0">
-            <a:spAutoFit/>
-          </a:bodyPr>
-          <a:p>
-            <a:pPr algn="l"/>
-            <a:r>
-              <a:rPr lang="zh-CN" altLang="en-US" sz="2800">
-                <a:solidFill>
-                  <a:srgbClr val="FF0000"/>
-                </a:solidFill>
-                <a:effectLst/>
-              </a:rPr>
-              <a:t>传值插槽</a:t>
-            </a:r>
-            <a:endParaRPr lang="zh-CN" altLang="en-US" sz="2800">
-              <a:solidFill>
-                <a:srgbClr val="FF0000"/>
-              </a:solidFill>
-              <a:effectLst/>
-            </a:endParaRPr>
-          </a:p>
-        </p:txBody>
-      </p:sp>
-      <p:sp>
-        <p:nvSpPr>
-          <p:cNvPr id="14" name="文本框 13"/>
-          <p:cNvSpPr txBox="1"/>
-          <p:nvPr/>
-        </p:nvSpPr>
-        <p:spPr>
-          <a:xfrm>
-            <a:off x="1498600" y="2439035"/>
-            <a:ext cx="926465" cy="521970"/>
-          </a:xfrm>
-          <a:prstGeom prst="rect">
-            <a:avLst/>
-          </a:prstGeom>
-          <a:noFill/>
-        </p:spPr>
-        <p:txBody>
-          <a:bodyPr wrap="none" rtlCol="0">
-            <a:spAutoFit/>
-          </a:bodyPr>
-          <a:p>
-            <a:pPr algn="l"/>
-            <a:r>
-              <a:rPr lang="en-US" altLang="zh-CN" sz="2800">
-                <a:solidFill>
-                  <a:srgbClr val="FF0000"/>
-                </a:solidFill>
-                <a:effectLst/>
-                <a:sym typeface="+mn-ea"/>
-              </a:rPr>
-              <a:t>v-for</a:t>
-            </a:r>
-            <a:endParaRPr lang="en-US" altLang="zh-CN" sz="2800">
-              <a:solidFill>
-                <a:srgbClr val="FF0000"/>
-              </a:solidFill>
-              <a:effectLst/>
-              <a:sym typeface="+mn-ea"/>
-            </a:endParaRPr>
-          </a:p>
-        </p:txBody>
-      </p:sp>
-      <p:sp>
-        <p:nvSpPr>
-          <p:cNvPr id="15" name="文本框 14"/>
-          <p:cNvSpPr txBox="1"/>
-          <p:nvPr/>
-        </p:nvSpPr>
-        <p:spPr>
-          <a:xfrm>
-            <a:off x="1498600" y="3328670"/>
-            <a:ext cx="683260" cy="521970"/>
-          </a:xfrm>
-          <a:prstGeom prst="rect">
-            <a:avLst/>
-          </a:prstGeom>
-          <a:noFill/>
-        </p:spPr>
-        <p:txBody>
-          <a:bodyPr wrap="none" rtlCol="0">
-            <a:spAutoFit/>
-          </a:bodyPr>
-          <a:p>
-            <a:pPr algn="l"/>
-            <a:r>
-              <a:rPr lang="en-US" altLang="zh-CN" sz="2800">
-                <a:solidFill>
-                  <a:srgbClr val="FF0000"/>
-                </a:solidFill>
-                <a:effectLst/>
-                <a:sym typeface="+mn-ea"/>
-              </a:rPr>
-              <a:t>v-if</a:t>
-            </a:r>
-            <a:endParaRPr lang="en-US" altLang="zh-CN" sz="2800">
-              <a:solidFill>
-                <a:srgbClr val="FF0000"/>
-              </a:solidFill>
-              <a:effectLst/>
-              <a:sym typeface="+mn-ea"/>
-            </a:endParaRPr>
-          </a:p>
-        </p:txBody>
-      </p:sp>
-      <p:sp>
-        <p:nvSpPr>
-          <p:cNvPr id="16" name="文本框 15"/>
-          <p:cNvSpPr txBox="1"/>
-          <p:nvPr/>
-        </p:nvSpPr>
-        <p:spPr>
-          <a:xfrm>
-            <a:off x="1498600" y="4218305"/>
-            <a:ext cx="1196975" cy="521970"/>
-          </a:xfrm>
-          <a:prstGeom prst="rect">
-            <a:avLst/>
-          </a:prstGeom>
-          <a:noFill/>
-        </p:spPr>
-        <p:txBody>
-          <a:bodyPr wrap="none" rtlCol="0">
-            <a:spAutoFit/>
-          </a:bodyPr>
-          <a:p>
-            <a:pPr algn="l"/>
-            <a:r>
-              <a:rPr lang="en-US" altLang="zh-CN" sz="2800">
-                <a:solidFill>
-                  <a:srgbClr val="FF0000"/>
-                </a:solidFill>
-                <a:effectLst/>
-                <a:sym typeface="+mn-ea"/>
-              </a:rPr>
-              <a:t>v-bind</a:t>
-            </a:r>
-            <a:endParaRPr lang="en-US" altLang="zh-CN" sz="2800">
-              <a:solidFill>
-                <a:srgbClr val="FF0000"/>
-              </a:solidFill>
-              <a:effectLst/>
-              <a:sym typeface="+mn-ea"/>
-            </a:endParaRPr>
-          </a:p>
-        </p:txBody>
-      </p:sp>
-      <p:sp>
-        <p:nvSpPr>
-          <p:cNvPr id="17" name="文本框 16"/>
-          <p:cNvSpPr txBox="1"/>
-          <p:nvPr/>
-        </p:nvSpPr>
-        <p:spPr>
-          <a:xfrm>
-            <a:off x="1498600" y="5107940"/>
-            <a:ext cx="900430" cy="521970"/>
-          </a:xfrm>
-          <a:prstGeom prst="rect">
-            <a:avLst/>
-          </a:prstGeom>
-          <a:noFill/>
-        </p:spPr>
-        <p:txBody>
-          <a:bodyPr wrap="none" rtlCol="0">
-            <a:spAutoFit/>
-          </a:bodyPr>
-          <a:p>
-            <a:pPr algn="l"/>
-            <a:r>
-              <a:rPr lang="en-US" altLang="zh-CN" sz="2800">
-                <a:solidFill>
-                  <a:srgbClr val="FF0000"/>
-                </a:solidFill>
-                <a:effectLst/>
-                <a:sym typeface="+mn-ea"/>
-              </a:rPr>
-              <a:t>v-on</a:t>
-            </a:r>
-            <a:endParaRPr lang="en-US" altLang="zh-CN" sz="2800">
-              <a:solidFill>
-                <a:srgbClr val="FF0000"/>
-              </a:solidFill>
-              <a:effectLst/>
-              <a:sym typeface="+mn-ea"/>
-            </a:endParaRPr>
-          </a:p>
-        </p:txBody>
-      </p:sp>
-      <p:sp>
-        <p:nvSpPr>
-          <p:cNvPr id="18" name="文本框 17"/>
-          <p:cNvSpPr txBox="1"/>
-          <p:nvPr/>
-        </p:nvSpPr>
-        <p:spPr>
-          <a:xfrm>
-            <a:off x="1498600" y="1549400"/>
-            <a:ext cx="1487170" cy="521970"/>
-          </a:xfrm>
-          <a:prstGeom prst="rect">
-            <a:avLst/>
-          </a:prstGeom>
-          <a:noFill/>
-        </p:spPr>
-        <p:txBody>
-          <a:bodyPr wrap="none" rtlCol="0">
-            <a:spAutoFit/>
-          </a:bodyPr>
-          <a:p>
-            <a:pPr algn="l"/>
-            <a:r>
-              <a:rPr lang="en-US" altLang="zh-CN" sz="2800">
-                <a:solidFill>
-                  <a:srgbClr val="FF0000"/>
-                </a:solidFill>
-                <a:effectLst/>
-                <a:sym typeface="+mn-ea"/>
-              </a:rPr>
-              <a:t>v-model</a:t>
-            </a:r>
-            <a:endParaRPr lang="en-US" altLang="zh-CN" sz="2800">
-              <a:solidFill>
-                <a:srgbClr val="FF0000"/>
-              </a:solidFill>
-              <a:effectLst/>
               <a:sym typeface="+mn-ea"/>
             </a:endParaRPr>
           </a:p>
@@ -6111,7 +5881,14 @@
         <p:cNvGrpSpPr/>
         <p:nvPr/>
       </p:nvGrpSpPr>
-      <p:grpSpPr/>
+      <p:grpSpPr>
+        <a:xfrm>
+          <a:off x="0" y="0"/>
+          <a:ext cx="0" cy="0"/>
+          <a:chOff x="0" y="0"/>
+          <a:chExt cx="0" cy="0"/>
+        </a:xfrm>
+      </p:grpSpPr>
       <p:sp>
         <p:nvSpPr>
           <p:cNvPr id="3" name="圆角矩形 2"/>
@@ -6148,6 +5925,7 @@
         </p:style>
         <p:txBody>
           <a:bodyPr rtlCol="0" anchor="ctr"/>
+          <a:lstStyle/>
           <a:p>
             <a:pPr algn="ctr"/>
             <a:endParaRPr lang="zh-CN" altLang="en-US"/>
@@ -6156,14 +5934,14 @@
       </p:sp>
       <p:sp>
         <p:nvSpPr>
-          <p:cNvPr id="9" name="文本框 8"/>
+          <p:cNvPr id="11" name="文本框 10"/>
           <p:cNvSpPr txBox="1"/>
           <p:nvPr/>
         </p:nvSpPr>
         <p:spPr>
           <a:xfrm>
-            <a:off x="8899525" y="285115"/>
-            <a:ext cx="2949575" cy="521970"/>
+            <a:off x="728345" y="1485265"/>
+            <a:ext cx="1807210" cy="3969385"/>
           </a:xfrm>
           <a:prstGeom prst="rect">
             <a:avLst/>
@@ -6174,73 +5952,17 @@
           <a:bodyPr wrap="square" rtlCol="0">
             <a:spAutoFit/>
           </a:bodyPr>
-          <a:p>
-            <a:pPr lvl="0" algn="l"/>
+          <a:lstStyle/>
+          <a:p>
+            <a:pPr algn="l"/>
             <a:r>
               <a:rPr lang="en-US" altLang="zh-CN" sz="2800">
                 <a:solidFill>
                   <a:srgbClr val="FF0000"/>
                 </a:solidFill>
-                <a:latin typeface="+mn-ea"/>
-                <a:cs typeface="+mn-ea"/>
-                <a:sym typeface="+mn-ea"/>
-              </a:rPr>
-              <a:t>2  常用指令  </a:t>
-            </a:r>
-            <a:r>
-              <a:rPr lang="zh-CN" altLang="en-US" sz="2800">
-                <a:solidFill>
-                  <a:srgbClr val="FF0000"/>
-                </a:solidFill>
-                <a:latin typeface="+mn-ea"/>
-                <a:cs typeface="+mn-ea"/>
-                <a:sym typeface="+mn-ea"/>
-              </a:rPr>
-              <a:t>组件</a:t>
-            </a:r>
-            <a:endParaRPr lang="zh-CN" altLang="en-US" sz="2800">
-              <a:latin typeface="+mn-ea"/>
-              <a:cs typeface="+mn-ea"/>
-              <a:sym typeface="+mn-ea"/>
-            </a:endParaRPr>
-          </a:p>
-        </p:txBody>
-      </p:sp>
-      <p:sp>
-        <p:nvSpPr>
-          <p:cNvPr id="11" name="文本框 10"/>
-          <p:cNvSpPr txBox="1"/>
-          <p:nvPr/>
-        </p:nvSpPr>
-        <p:spPr>
-          <a:xfrm>
-            <a:off x="728345" y="1485265"/>
-            <a:ext cx="1807210" cy="3969385"/>
-          </a:xfrm>
-          <a:prstGeom prst="rect">
-            <a:avLst/>
-          </a:prstGeom>
-          <a:noFill/>
-        </p:spPr>
-        <p:txBody>
-          <a:bodyPr wrap="square" rtlCol="0">
-            <a:spAutoFit/>
-          </a:bodyPr>
-          <a:p>
-            <a:pPr algn="l"/>
-            <a:r>
-              <a:rPr lang="en-US" altLang="zh-CN" sz="2800">
-                <a:solidFill>
-                  <a:srgbClr val="FF0000"/>
-                </a:solidFill>
               </a:rPr>
               <a:t>v-model</a:t>
             </a:r>
-            <a:endParaRPr lang="en-US" altLang="zh-CN" sz="2800">
-              <a:solidFill>
-                <a:srgbClr val="FF0000"/>
-              </a:solidFill>
-            </a:endParaRPr>
           </a:p>
           <a:p>
             <a:pPr algn="l"/>
@@ -6260,11 +5982,6 @@
               </a:rPr>
               <a:t>v-for</a:t>
             </a:r>
-            <a:endParaRPr lang="en-US" altLang="zh-CN" sz="2800">
-              <a:solidFill>
-                <a:srgbClr val="FF0000"/>
-              </a:solidFill>
-            </a:endParaRPr>
           </a:p>
           <a:p>
             <a:pPr algn="l"/>
@@ -6284,11 +6001,6 @@
               </a:rPr>
               <a:t>v-if</a:t>
             </a:r>
-            <a:endParaRPr lang="en-US" altLang="zh-CN" sz="2800">
-              <a:solidFill>
-                <a:srgbClr val="FF0000"/>
-              </a:solidFill>
-            </a:endParaRPr>
           </a:p>
           <a:p>
             <a:pPr algn="l"/>
@@ -6308,11 +6020,6 @@
               </a:rPr>
               <a:t>v-bind</a:t>
             </a:r>
-            <a:endParaRPr lang="en-US" altLang="zh-CN" sz="2800">
-              <a:solidFill>
-                <a:srgbClr val="FF0000"/>
-              </a:solidFill>
-            </a:endParaRPr>
           </a:p>
           <a:p>
             <a:pPr algn="l"/>
@@ -6332,11 +6039,6 @@
               </a:rPr>
               <a:t>v-on</a:t>
             </a:r>
-            <a:endParaRPr lang="en-US" altLang="zh-CN" sz="2800">
-              <a:solidFill>
-                <a:srgbClr val="FF0000"/>
-              </a:solidFill>
-            </a:endParaRPr>
           </a:p>
         </p:txBody>
       </p:sp>
@@ -6349,7 +6051,7 @@
           <p:nvPr/>
         </p:nvPicPr>
         <p:blipFill>
-          <a:blip r:embed="rId1"/>
+          <a:blip r:embed="rId2"/>
           <a:stretch>
             <a:fillRect/>
           </a:stretch>
@@ -6373,7 +6075,7 @@
           <p:nvPr/>
         </p:nvPicPr>
         <p:blipFill>
-          <a:blip r:embed="rId2"/>
+          <a:blip r:embed="rId3"/>
           <a:stretch>
             <a:fillRect/>
           </a:stretch>
@@ -6397,7 +6099,7 @@
           <p:nvPr/>
         </p:nvPicPr>
         <p:blipFill>
-          <a:blip r:embed="rId3"/>
+          <a:blip r:embed="rId4"/>
           <a:stretch>
             <a:fillRect/>
           </a:stretch>
@@ -6421,7 +6123,7 @@
           <p:nvPr/>
         </p:nvPicPr>
         <p:blipFill>
-          <a:blip r:embed="rId4"/>
+          <a:blip r:embed="rId5"/>
           <a:stretch>
             <a:fillRect/>
           </a:stretch>
@@ -6445,7 +6147,7 @@
           <p:nvPr/>
         </p:nvPicPr>
         <p:blipFill>
-          <a:blip r:embed="rId5"/>
+          <a:blip r:embed="rId6"/>
           <a:stretch>
             <a:fillRect/>
           </a:stretch>
@@ -6460,6 +6162,81 @@
           </a:prstGeom>
         </p:spPr>
       </p:pic>
+      <p:sp>
+        <p:nvSpPr>
+          <p:cNvPr id="10" name="文本框 8"/>
+          <p:cNvSpPr txBox="1"/>
+          <p:nvPr/>
+        </p:nvSpPr>
+        <p:spPr>
+          <a:xfrm>
+            <a:off x="8899525" y="285115"/>
+            <a:ext cx="2949575" cy="523220"/>
+          </a:xfrm>
+          <a:prstGeom prst="rect">
+            <a:avLst/>
+          </a:prstGeom>
+          <a:noFill/>
+        </p:spPr>
+        <p:txBody>
+          <a:bodyPr wrap="square" rtlCol="0">
+            <a:spAutoFit/>
+          </a:bodyPr>
+          <a:lstStyle/>
+          <a:p>
+            <a:pPr lvl="0" algn="l"/>
+            <a:r>
+              <a:rPr lang="en-US" altLang="zh-CN" sz="2800" dirty="0">
+                <a:solidFill>
+                  <a:srgbClr val="FF0000"/>
+                </a:solidFill>
+                <a:latin typeface="+mn-ea"/>
+                <a:cs typeface="+mn-ea"/>
+                <a:sym typeface="+mn-ea"/>
+              </a:rPr>
+              <a:t>2 </a:t>
+            </a:r>
+            <a:r>
+              <a:rPr lang="en-US" altLang="zh-CN" sz="2800" dirty="0" err="1" smtClean="0">
+                <a:solidFill>
+                  <a:srgbClr val="FF0000"/>
+                </a:solidFill>
+                <a:latin typeface="+mn-ea"/>
+                <a:cs typeface="+mn-ea"/>
+                <a:sym typeface="+mn-ea"/>
+              </a:rPr>
+              <a:t>常用指令</a:t>
+            </a:r>
+            <a:r>
+              <a:rPr lang="en-US" altLang="zh-CN" sz="2800" dirty="0" smtClean="0">
+                <a:solidFill>
+                  <a:srgbClr val="FF0000"/>
+                </a:solidFill>
+                <a:latin typeface="+mn-ea"/>
+                <a:cs typeface="+mn-ea"/>
+                <a:sym typeface="+mn-ea"/>
+              </a:rPr>
+              <a:t> </a:t>
+            </a:r>
+            <a:r>
+              <a:rPr lang="zh-CN" altLang="en-US" sz="2800" dirty="0" smtClean="0">
+                <a:solidFill>
+                  <a:srgbClr val="FF0000"/>
+                </a:solidFill>
+                <a:latin typeface="+mn-ea"/>
+                <a:cs typeface="+mn-ea"/>
+                <a:sym typeface="+mn-ea"/>
+              </a:rPr>
+              <a:t>组件</a:t>
+            </a:r>
+            <a:endParaRPr lang="zh-CN" altLang="en-US" sz="2800" dirty="0">
+              <a:latin typeface="+mn-ea"/>
+              <a:cs typeface="+mn-ea"/>
+              <a:sym typeface="+mn-ea"/>
+            </a:endParaRPr>
+          </a:p>
+        </p:txBody>
+      </p:sp>
     </p:spTree>
   </p:cSld>
   <p:clrMapOvr>
@@ -6477,7 +6254,14 @@
         <p:cNvGrpSpPr/>
         <p:nvPr/>
       </p:nvGrpSpPr>
-      <p:grpSpPr/>
+      <p:grpSpPr>
+        <a:xfrm>
+          <a:off x="0" y="0"/>
+          <a:ext cx="0" cy="0"/>
+          <a:chOff x="0" y="0"/>
+          <a:chExt cx="0" cy="0"/>
+        </a:xfrm>
+      </p:grpSpPr>
       <p:sp>
         <p:nvSpPr>
           <p:cNvPr id="3" name="圆角矩形 2"/>
@@ -6514,61 +6298,10 @@
         </p:style>
         <p:txBody>
           <a:bodyPr rtlCol="0" anchor="ctr"/>
+          <a:lstStyle/>
           <a:p>
             <a:pPr algn="ctr"/>
             <a:endParaRPr lang="zh-CN" altLang="en-US"/>
-          </a:p>
-        </p:txBody>
-      </p:sp>
-      <p:sp>
-        <p:nvSpPr>
-          <p:cNvPr id="9" name="文本框 8"/>
-          <p:cNvSpPr txBox="1"/>
-          <p:nvPr/>
-        </p:nvSpPr>
-        <p:spPr>
-          <a:xfrm>
-            <a:off x="8899525" y="285115"/>
-            <a:ext cx="2949575" cy="521970"/>
-          </a:xfrm>
-          <a:prstGeom prst="rect">
-            <a:avLst/>
-          </a:prstGeom>
-          <a:noFill/>
-        </p:spPr>
-        <p:txBody>
-          <a:bodyPr wrap="square" rtlCol="0">
-            <a:spAutoFit/>
-          </a:bodyPr>
-          <a:p>
-            <a:pPr lvl="0" algn="l"/>
-            <a:r>
-              <a:rPr lang="en-US" altLang="zh-CN" sz="2800">
-                <a:solidFill>
-                  <a:srgbClr val="FF0000"/>
-                </a:solidFill>
-                <a:latin typeface="+mn-ea"/>
-                <a:cs typeface="+mn-ea"/>
-                <a:sym typeface="+mn-ea"/>
-              </a:rPr>
-              <a:t>2  常用指令  </a:t>
-            </a:r>
-            <a:r>
-              <a:rPr lang="zh-CN" altLang="en-US" sz="2800">
-                <a:solidFill>
-                  <a:srgbClr val="FF0000"/>
-                </a:solidFill>
-                <a:latin typeface="+mn-ea"/>
-                <a:cs typeface="+mn-ea"/>
-                <a:sym typeface="+mn-ea"/>
-              </a:rPr>
-              <a:t>组件</a:t>
-            </a:r>
-            <a:endParaRPr lang="zh-CN" altLang="en-US" sz="2800">
-              <a:latin typeface="+mn-ea"/>
-              <a:cs typeface="+mn-ea"/>
-              <a:sym typeface="+mn-ea"/>
-            </a:endParaRPr>
           </a:p>
         </p:txBody>
       </p:sp>
@@ -6581,7 +6314,7 @@
           <p:nvPr/>
         </p:nvPicPr>
         <p:blipFill>
-          <a:blip r:embed="rId1"/>
+          <a:blip r:embed="rId2"/>
           <a:stretch>
             <a:fillRect/>
           </a:stretch>
@@ -6596,6 +6329,81 @@
           </a:prstGeom>
         </p:spPr>
       </p:pic>
+      <p:sp>
+        <p:nvSpPr>
+          <p:cNvPr id="5" name="文本框 8"/>
+          <p:cNvSpPr txBox="1"/>
+          <p:nvPr/>
+        </p:nvSpPr>
+        <p:spPr>
+          <a:xfrm>
+            <a:off x="8899525" y="285115"/>
+            <a:ext cx="2949575" cy="523220"/>
+          </a:xfrm>
+          <a:prstGeom prst="rect">
+            <a:avLst/>
+          </a:prstGeom>
+          <a:noFill/>
+        </p:spPr>
+        <p:txBody>
+          <a:bodyPr wrap="square" rtlCol="0">
+            <a:spAutoFit/>
+          </a:bodyPr>
+          <a:lstStyle/>
+          <a:p>
+            <a:pPr lvl="0" algn="l"/>
+            <a:r>
+              <a:rPr lang="en-US" altLang="zh-CN" sz="2800" dirty="0">
+                <a:solidFill>
+                  <a:srgbClr val="FF0000"/>
+                </a:solidFill>
+                <a:latin typeface="+mn-ea"/>
+                <a:cs typeface="+mn-ea"/>
+                <a:sym typeface="+mn-ea"/>
+              </a:rPr>
+              <a:t>2 </a:t>
+            </a:r>
+            <a:r>
+              <a:rPr lang="en-US" altLang="zh-CN" sz="2800" dirty="0" err="1" smtClean="0">
+                <a:solidFill>
+                  <a:srgbClr val="FF0000"/>
+                </a:solidFill>
+                <a:latin typeface="+mn-ea"/>
+                <a:cs typeface="+mn-ea"/>
+                <a:sym typeface="+mn-ea"/>
+              </a:rPr>
+              <a:t>常用指令</a:t>
+            </a:r>
+            <a:r>
+              <a:rPr lang="en-US" altLang="zh-CN" sz="2800" dirty="0" smtClean="0">
+                <a:solidFill>
+                  <a:srgbClr val="FF0000"/>
+                </a:solidFill>
+                <a:latin typeface="+mn-ea"/>
+                <a:cs typeface="+mn-ea"/>
+                <a:sym typeface="+mn-ea"/>
+              </a:rPr>
+              <a:t> </a:t>
+            </a:r>
+            <a:r>
+              <a:rPr lang="zh-CN" altLang="en-US" sz="2800" dirty="0" smtClean="0">
+                <a:solidFill>
+                  <a:srgbClr val="FF0000"/>
+                </a:solidFill>
+                <a:latin typeface="+mn-ea"/>
+                <a:cs typeface="+mn-ea"/>
+                <a:sym typeface="+mn-ea"/>
+              </a:rPr>
+              <a:t>组件</a:t>
+            </a:r>
+            <a:endParaRPr lang="zh-CN" altLang="en-US" sz="2800" dirty="0">
+              <a:latin typeface="+mn-ea"/>
+              <a:cs typeface="+mn-ea"/>
+              <a:sym typeface="+mn-ea"/>
+            </a:endParaRPr>
+          </a:p>
+        </p:txBody>
+      </p:sp>
     </p:spTree>
   </p:cSld>
   <p:clrMapOvr>
@@ -6613,7 +6421,14 @@
         <p:cNvGrpSpPr/>
         <p:nvPr/>
       </p:nvGrpSpPr>
-      <p:grpSpPr/>
+      <p:grpSpPr>
+        <a:xfrm>
+          <a:off x="0" y="0"/>
+          <a:ext cx="0" cy="0"/>
+          <a:chOff x="0" y="0"/>
+          <a:chExt cx="0" cy="0"/>
+        </a:xfrm>
+      </p:grpSpPr>
       <p:sp>
         <p:nvSpPr>
           <p:cNvPr id="3" name="圆角矩形 2"/>
@@ -6650,311 +6465,16 @@
         </p:style>
         <p:txBody>
           <a:bodyPr rtlCol="0" anchor="ctr"/>
+          <a:lstStyle/>
           <a:p>
             <a:pPr algn="ctr"/>
             <a:endParaRPr lang="zh-CN" altLang="en-US"/>
-          </a:p>
-        </p:txBody>
-      </p:sp>
-      <p:sp>
-        <p:nvSpPr>
-          <p:cNvPr id="9" name="文本框 8"/>
-          <p:cNvSpPr txBox="1"/>
-          <p:nvPr/>
-        </p:nvSpPr>
-        <p:spPr>
-          <a:xfrm>
-            <a:off x="8899525" y="285115"/>
-            <a:ext cx="2949575" cy="521970"/>
-          </a:xfrm>
-          <a:prstGeom prst="rect">
-            <a:avLst/>
-          </a:prstGeom>
-          <a:noFill/>
-        </p:spPr>
-        <p:txBody>
-          <a:bodyPr wrap="square" rtlCol="0">
-            <a:spAutoFit/>
-          </a:bodyPr>
-          <a:p>
-            <a:pPr lvl="0" algn="l"/>
-            <a:r>
-              <a:rPr lang="en-US" altLang="zh-CN" sz="2800">
-                <a:solidFill>
-                  <a:srgbClr val="FF0000"/>
-                </a:solidFill>
-                <a:latin typeface="+mn-ea"/>
-                <a:cs typeface="+mn-ea"/>
-                <a:sym typeface="+mn-ea"/>
-              </a:rPr>
-              <a:t>2  常用指令  </a:t>
-            </a:r>
-            <a:r>
-              <a:rPr lang="zh-CN" altLang="en-US" sz="2800">
-                <a:solidFill>
-                  <a:srgbClr val="FF0000"/>
-                </a:solidFill>
-                <a:latin typeface="+mn-ea"/>
-                <a:cs typeface="+mn-ea"/>
-                <a:sym typeface="+mn-ea"/>
-              </a:rPr>
-              <a:t>组件</a:t>
-            </a:r>
-            <a:endParaRPr lang="zh-CN" altLang="en-US" sz="2800">
-              <a:latin typeface="+mn-ea"/>
-              <a:cs typeface="+mn-ea"/>
-              <a:sym typeface="+mn-ea"/>
-            </a:endParaRPr>
           </a:p>
         </p:txBody>
       </p:sp>
       <p:pic>
         <p:nvPicPr>
           <p:cNvPr id="2" name="图片 1"/>
-          <p:cNvPicPr>
-            <a:picLocks noChangeAspect="1"/>
-          </p:cNvPicPr>
-          <p:nvPr/>
-        </p:nvPicPr>
-        <p:blipFill>
-          <a:blip r:embed="rId1"/>
-          <a:stretch>
-            <a:fillRect/>
-          </a:stretch>
-        </p:blipFill>
-        <p:spPr>
-          <a:xfrm>
-            <a:off x="7095490" y="3063875"/>
-            <a:ext cx="3184525" cy="1578610"/>
-          </a:xfrm>
-          <a:prstGeom prst="rect">
-            <a:avLst/>
-          </a:prstGeom>
-        </p:spPr>
-      </p:pic>
-      <p:sp>
-        <p:nvSpPr>
-          <p:cNvPr id="5" name="文本框 4"/>
-          <p:cNvSpPr txBox="1"/>
-          <p:nvPr/>
-        </p:nvSpPr>
-        <p:spPr>
-          <a:xfrm>
-            <a:off x="332105" y="1466850"/>
-            <a:ext cx="2959735" cy="521970"/>
-          </a:xfrm>
-          <a:prstGeom prst="rect">
-            <a:avLst/>
-          </a:prstGeom>
-          <a:noFill/>
-        </p:spPr>
-        <p:txBody>
-          <a:bodyPr wrap="square" rtlCol="0">
-            <a:spAutoFit/>
-          </a:bodyPr>
-          <a:p>
-            <a:pPr algn="l"/>
-            <a:r>
-              <a:rPr lang="zh-CN" altLang="en-US" sz="2800">
-                <a:solidFill>
-                  <a:schemeClr val="accent5">
-                    <a:lumMod val="75000"/>
-                  </a:schemeClr>
-                </a:solidFill>
-                <a:effectLst/>
-              </a:rPr>
-              <a:t>静态</a:t>
-            </a:r>
-            <a:endParaRPr lang="zh-CN" altLang="en-US" sz="2800">
-              <a:solidFill>
-                <a:schemeClr val="accent5">
-                  <a:lumMod val="75000"/>
-                </a:schemeClr>
-              </a:solidFill>
-              <a:effectLst/>
-            </a:endParaRPr>
-          </a:p>
-        </p:txBody>
-      </p:sp>
-      <p:sp>
-        <p:nvSpPr>
-          <p:cNvPr id="4" name="文本框 3"/>
-          <p:cNvSpPr txBox="1"/>
-          <p:nvPr/>
-        </p:nvSpPr>
-        <p:spPr>
-          <a:xfrm>
-            <a:off x="332105" y="2328545"/>
-            <a:ext cx="2564765" cy="521970"/>
-          </a:xfrm>
-          <a:prstGeom prst="rect">
-            <a:avLst/>
-          </a:prstGeom>
-          <a:noFill/>
-        </p:spPr>
-        <p:txBody>
-          <a:bodyPr wrap="square" rtlCol="0">
-            <a:spAutoFit/>
-          </a:bodyPr>
-          <a:p>
-            <a:pPr algn="l"/>
-            <a:r>
-              <a:rPr lang="zh-CN" altLang="en-US" sz="2800">
-                <a:solidFill>
-                  <a:schemeClr val="bg1">
-                    <a:lumMod val="85000"/>
-                  </a:schemeClr>
-                </a:solidFill>
-                <a:effectLst/>
-              </a:rPr>
-              <a:t>单向传值</a:t>
-            </a:r>
-            <a:endParaRPr lang="zh-CN" altLang="en-US" sz="2800">
-              <a:solidFill>
-                <a:schemeClr val="bg1">
-                  <a:lumMod val="85000"/>
-                </a:schemeClr>
-              </a:solidFill>
-              <a:effectLst/>
-            </a:endParaRPr>
-          </a:p>
-        </p:txBody>
-      </p:sp>
-      <p:sp>
-        <p:nvSpPr>
-          <p:cNvPr id="6" name="文本框 5"/>
-          <p:cNvSpPr txBox="1"/>
-          <p:nvPr/>
-        </p:nvSpPr>
-        <p:spPr>
-          <a:xfrm>
-            <a:off x="332105" y="3190240"/>
-            <a:ext cx="2959735" cy="521970"/>
-          </a:xfrm>
-          <a:prstGeom prst="rect">
-            <a:avLst/>
-          </a:prstGeom>
-          <a:noFill/>
-        </p:spPr>
-        <p:txBody>
-          <a:bodyPr wrap="square" rtlCol="0">
-            <a:spAutoFit/>
-          </a:bodyPr>
-          <a:p>
-            <a:pPr algn="l"/>
-            <a:r>
-              <a:rPr lang="zh-CN" altLang="en-US" sz="2800">
-                <a:solidFill>
-                  <a:schemeClr val="bg1">
-                    <a:lumMod val="85000"/>
-                  </a:schemeClr>
-                </a:solidFill>
-                <a:effectLst/>
-              </a:rPr>
-              <a:t>抛出事件</a:t>
-            </a:r>
-            <a:endParaRPr lang="zh-CN" altLang="en-US" sz="2800">
-              <a:solidFill>
-                <a:schemeClr val="bg1">
-                  <a:lumMod val="85000"/>
-                </a:schemeClr>
-              </a:solidFill>
-              <a:effectLst/>
-            </a:endParaRPr>
-          </a:p>
-        </p:txBody>
-      </p:sp>
-      <p:sp>
-        <p:nvSpPr>
-          <p:cNvPr id="7" name="文本框 6"/>
-          <p:cNvSpPr txBox="1"/>
-          <p:nvPr/>
-        </p:nvSpPr>
-        <p:spPr>
-          <a:xfrm>
-            <a:off x="332105" y="4051935"/>
-            <a:ext cx="2959735" cy="521970"/>
-          </a:xfrm>
-          <a:prstGeom prst="rect">
-            <a:avLst/>
-          </a:prstGeom>
-          <a:noFill/>
-        </p:spPr>
-        <p:txBody>
-          <a:bodyPr wrap="square" rtlCol="0">
-            <a:spAutoFit/>
-          </a:bodyPr>
-          <a:p>
-            <a:pPr algn="l"/>
-            <a:r>
-              <a:rPr lang="zh-CN" altLang="en-US" sz="2800">
-                <a:solidFill>
-                  <a:schemeClr val="bg1">
-                    <a:lumMod val="85000"/>
-                  </a:schemeClr>
-                </a:solidFill>
-                <a:effectLst/>
-              </a:rPr>
-              <a:t>插槽</a:t>
-            </a:r>
-            <a:endParaRPr lang="zh-CN" altLang="en-US" sz="2800">
-              <a:solidFill>
-                <a:schemeClr val="bg1">
-                  <a:lumMod val="85000"/>
-                </a:schemeClr>
-              </a:solidFill>
-              <a:effectLst/>
-            </a:endParaRPr>
-          </a:p>
-        </p:txBody>
-      </p:sp>
-      <p:sp>
-        <p:nvSpPr>
-          <p:cNvPr id="8" name="文本框 7"/>
-          <p:cNvSpPr txBox="1"/>
-          <p:nvPr/>
-        </p:nvSpPr>
-        <p:spPr>
-          <a:xfrm>
-            <a:off x="332105" y="4913630"/>
-            <a:ext cx="2959735" cy="521970"/>
-          </a:xfrm>
-          <a:prstGeom prst="rect">
-            <a:avLst/>
-          </a:prstGeom>
-          <a:noFill/>
-        </p:spPr>
-        <p:txBody>
-          <a:bodyPr wrap="square" rtlCol="0">
-            <a:spAutoFit/>
-          </a:bodyPr>
-          <a:p>
-            <a:pPr algn="l"/>
-            <a:r>
-              <a:rPr lang="zh-CN" altLang="en-US" sz="2800">
-                <a:solidFill>
-                  <a:schemeClr val="bg1">
-                    <a:lumMod val="85000"/>
-                  </a:schemeClr>
-                </a:solidFill>
-                <a:effectLst/>
-              </a:rPr>
-              <a:t>传值插槽</a:t>
-            </a:r>
-            <a:endParaRPr lang="zh-CN" altLang="en-US" sz="2800">
-              <a:solidFill>
-                <a:schemeClr val="bg1">
-                  <a:lumMod val="85000"/>
-                </a:schemeClr>
-              </a:solidFill>
-              <a:effectLst/>
-            </a:endParaRPr>
-          </a:p>
-        </p:txBody>
-      </p:sp>
-      <p:pic>
-        <p:nvPicPr>
-          <p:cNvPr id="10" name="图片 9"/>
           <p:cNvPicPr>
             <a:picLocks noChangeAspect="1"/>
           </p:cNvPicPr>
@@ -6968,8 +6488,8 @@
         </p:blipFill>
         <p:spPr>
           <a:xfrm>
-            <a:off x="3529965" y="3221990"/>
-            <a:ext cx="2355850" cy="1342390"/>
+            <a:off x="7095490" y="3063875"/>
+            <a:ext cx="3184525" cy="1578610"/>
           </a:xfrm>
           <a:prstGeom prst="rect">
             <a:avLst/>
@@ -6978,14 +6498,14 @@
       </p:pic>
       <p:sp>
         <p:nvSpPr>
-          <p:cNvPr id="11" name="文本框 10"/>
+          <p:cNvPr id="5" name="文本框 4"/>
           <p:cNvSpPr txBox="1"/>
           <p:nvPr/>
         </p:nvSpPr>
         <p:spPr>
           <a:xfrm>
-            <a:off x="2634615" y="1466850"/>
-            <a:ext cx="9018270" cy="953135"/>
+            <a:off x="332105" y="1466850"/>
+            <a:ext cx="2959735" cy="521970"/>
           </a:xfrm>
           <a:prstGeom prst="rect">
             <a:avLst/>
@@ -6996,6 +6516,216 @@
           <a:bodyPr wrap="square" rtlCol="0">
             <a:spAutoFit/>
           </a:bodyPr>
+          <a:lstStyle/>
+          <a:p>
+            <a:pPr algn="l"/>
+            <a:r>
+              <a:rPr lang="zh-CN" altLang="en-US" sz="2800">
+                <a:solidFill>
+                  <a:schemeClr val="accent5">
+                    <a:lumMod val="75000"/>
+                  </a:schemeClr>
+                </a:solidFill>
+                <a:effectLst/>
+              </a:rPr>
+              <a:t>静态</a:t>
+            </a:r>
+          </a:p>
+        </p:txBody>
+      </p:sp>
+      <p:sp>
+        <p:nvSpPr>
+          <p:cNvPr id="4" name="文本框 3"/>
+          <p:cNvSpPr txBox="1"/>
+          <p:nvPr/>
+        </p:nvSpPr>
+        <p:spPr>
+          <a:xfrm>
+            <a:off x="332105" y="2328545"/>
+            <a:ext cx="2564765" cy="521970"/>
+          </a:xfrm>
+          <a:prstGeom prst="rect">
+            <a:avLst/>
+          </a:prstGeom>
+          <a:noFill/>
+        </p:spPr>
+        <p:txBody>
+          <a:bodyPr wrap="square" rtlCol="0">
+            <a:spAutoFit/>
+          </a:bodyPr>
+          <a:lstStyle/>
+          <a:p>
+            <a:pPr algn="l"/>
+            <a:r>
+              <a:rPr lang="zh-CN" altLang="en-US" sz="2800">
+                <a:solidFill>
+                  <a:schemeClr val="bg1">
+                    <a:lumMod val="85000"/>
+                  </a:schemeClr>
+                </a:solidFill>
+                <a:effectLst/>
+              </a:rPr>
+              <a:t>单向传值</a:t>
+            </a:r>
+          </a:p>
+        </p:txBody>
+      </p:sp>
+      <p:sp>
+        <p:nvSpPr>
+          <p:cNvPr id="6" name="文本框 5"/>
+          <p:cNvSpPr txBox="1"/>
+          <p:nvPr/>
+        </p:nvSpPr>
+        <p:spPr>
+          <a:xfrm>
+            <a:off x="332105" y="3190240"/>
+            <a:ext cx="2959735" cy="521970"/>
+          </a:xfrm>
+          <a:prstGeom prst="rect">
+            <a:avLst/>
+          </a:prstGeom>
+          <a:noFill/>
+        </p:spPr>
+        <p:txBody>
+          <a:bodyPr wrap="square" rtlCol="0">
+            <a:spAutoFit/>
+          </a:bodyPr>
+          <a:lstStyle/>
+          <a:p>
+            <a:pPr algn="l"/>
+            <a:r>
+              <a:rPr lang="zh-CN" altLang="en-US" sz="2800">
+                <a:solidFill>
+                  <a:schemeClr val="bg1">
+                    <a:lumMod val="85000"/>
+                  </a:schemeClr>
+                </a:solidFill>
+                <a:effectLst/>
+              </a:rPr>
+              <a:t>抛出事件</a:t>
+            </a:r>
+          </a:p>
+        </p:txBody>
+      </p:sp>
+      <p:sp>
+        <p:nvSpPr>
+          <p:cNvPr id="7" name="文本框 6"/>
+          <p:cNvSpPr txBox="1"/>
+          <p:nvPr/>
+        </p:nvSpPr>
+        <p:spPr>
+          <a:xfrm>
+            <a:off x="332105" y="4051935"/>
+            <a:ext cx="2959735" cy="521970"/>
+          </a:xfrm>
+          <a:prstGeom prst="rect">
+            <a:avLst/>
+          </a:prstGeom>
+          <a:noFill/>
+        </p:spPr>
+        <p:txBody>
+          <a:bodyPr wrap="square" rtlCol="0">
+            <a:spAutoFit/>
+          </a:bodyPr>
+          <a:lstStyle/>
+          <a:p>
+            <a:pPr algn="l"/>
+            <a:r>
+              <a:rPr lang="zh-CN" altLang="en-US" sz="2800">
+                <a:solidFill>
+                  <a:schemeClr val="bg1">
+                    <a:lumMod val="85000"/>
+                  </a:schemeClr>
+                </a:solidFill>
+                <a:effectLst/>
+              </a:rPr>
+              <a:t>插槽</a:t>
+            </a:r>
+          </a:p>
+        </p:txBody>
+      </p:sp>
+      <p:sp>
+        <p:nvSpPr>
+          <p:cNvPr id="8" name="文本框 7"/>
+          <p:cNvSpPr txBox="1"/>
+          <p:nvPr/>
+        </p:nvSpPr>
+        <p:spPr>
+          <a:xfrm>
+            <a:off x="332105" y="4913630"/>
+            <a:ext cx="2959735" cy="521970"/>
+          </a:xfrm>
+          <a:prstGeom prst="rect">
+            <a:avLst/>
+          </a:prstGeom>
+          <a:noFill/>
+        </p:spPr>
+        <p:txBody>
+          <a:bodyPr wrap="square" rtlCol="0">
+            <a:spAutoFit/>
+          </a:bodyPr>
+          <a:lstStyle/>
+          <a:p>
+            <a:pPr algn="l"/>
+            <a:r>
+              <a:rPr lang="zh-CN" altLang="en-US" sz="2800">
+                <a:solidFill>
+                  <a:schemeClr val="bg1">
+                    <a:lumMod val="85000"/>
+                  </a:schemeClr>
+                </a:solidFill>
+                <a:effectLst/>
+              </a:rPr>
+              <a:t>传值插槽</a:t>
+            </a:r>
+          </a:p>
+        </p:txBody>
+      </p:sp>
+      <p:pic>
+        <p:nvPicPr>
+          <p:cNvPr id="10" name="图片 9"/>
+          <p:cNvPicPr>
+            <a:picLocks noChangeAspect="1"/>
+          </p:cNvPicPr>
+          <p:nvPr/>
+        </p:nvPicPr>
+        <p:blipFill>
+          <a:blip r:embed="rId3"/>
+          <a:stretch>
+            <a:fillRect/>
+          </a:stretch>
+        </p:blipFill>
+        <p:spPr>
+          <a:xfrm>
+            <a:off x="3529965" y="3221990"/>
+            <a:ext cx="2355850" cy="1342390"/>
+          </a:xfrm>
+          <a:prstGeom prst="rect">
+            <a:avLst/>
+          </a:prstGeom>
+        </p:spPr>
+      </p:pic>
+      <p:sp>
+        <p:nvSpPr>
+          <p:cNvPr id="11" name="文本框 10"/>
+          <p:cNvSpPr txBox="1"/>
+          <p:nvPr/>
+        </p:nvSpPr>
+        <p:spPr>
+          <a:xfrm>
+            <a:off x="2634615" y="1466850"/>
+            <a:ext cx="9018270" cy="953135"/>
+          </a:xfrm>
+          <a:prstGeom prst="rect">
+            <a:avLst/>
+          </a:prstGeom>
+          <a:noFill/>
+        </p:spPr>
+        <p:txBody>
+          <a:bodyPr wrap="square" rtlCol="0">
+            <a:spAutoFit/>
+          </a:bodyPr>
+          <a:lstStyle/>
           <a:p>
             <a:r>
               <a:rPr lang="zh-CN" altLang="en-US" sz="2800"/>
@@ -7017,7 +6747,81 @@
               <a:rPr lang="zh-CN" altLang="en-US" sz="2800"/>
               <a:t>，有多处使用，希望修改的时候能统一改动。</a:t>
             </a:r>
-            <a:endParaRPr lang="zh-CN" altLang="en-US" sz="2800"/>
+          </a:p>
+        </p:txBody>
+      </p:sp>
+      <p:sp>
+        <p:nvSpPr>
+          <p:cNvPr id="12" name="文本框 8"/>
+          <p:cNvSpPr txBox="1"/>
+          <p:nvPr/>
+        </p:nvSpPr>
+        <p:spPr>
+          <a:xfrm>
+            <a:off x="8899525" y="285115"/>
+            <a:ext cx="2949575" cy="523220"/>
+          </a:xfrm>
+          <a:prstGeom prst="rect">
+            <a:avLst/>
+          </a:prstGeom>
+          <a:noFill/>
+        </p:spPr>
+        <p:txBody>
+          <a:bodyPr wrap="square" rtlCol="0">
+            <a:spAutoFit/>
+          </a:bodyPr>
+          <a:lstStyle/>
+          <a:p>
+            <a:pPr lvl="0" algn="l"/>
+            <a:r>
+              <a:rPr lang="en-US" altLang="zh-CN" sz="2800" dirty="0">
+                <a:solidFill>
+                  <a:srgbClr val="FF0000"/>
+                </a:solidFill>
+                <a:latin typeface="+mn-ea"/>
+                <a:cs typeface="+mn-ea"/>
+                <a:sym typeface="+mn-ea"/>
+              </a:rPr>
+              <a:t>2 </a:t>
+            </a:r>
+            <a:r>
+              <a:rPr lang="en-US" altLang="zh-CN" sz="2800" dirty="0" err="1" smtClean="0">
+                <a:solidFill>
+                  <a:srgbClr val="FF0000"/>
+                </a:solidFill>
+                <a:latin typeface="+mn-ea"/>
+                <a:cs typeface="+mn-ea"/>
+                <a:sym typeface="+mn-ea"/>
+              </a:rPr>
+              <a:t>常用指令</a:t>
+            </a:r>
+            <a:r>
+              <a:rPr lang="en-US" altLang="zh-CN" sz="2800" dirty="0" smtClean="0">
+                <a:solidFill>
+                  <a:srgbClr val="FF0000"/>
+                </a:solidFill>
+                <a:latin typeface="+mn-ea"/>
+                <a:cs typeface="+mn-ea"/>
+                <a:sym typeface="+mn-ea"/>
+              </a:rPr>
+              <a:t> </a:t>
+            </a:r>
+            <a:r>
+              <a:rPr lang="zh-CN" altLang="en-US" sz="2800" dirty="0" smtClean="0">
+                <a:solidFill>
+                  <a:srgbClr val="FF0000"/>
+                </a:solidFill>
+                <a:latin typeface="+mn-ea"/>
+                <a:cs typeface="+mn-ea"/>
+                <a:sym typeface="+mn-ea"/>
+              </a:rPr>
+              <a:t>组件</a:t>
+            </a:r>
+            <a:endParaRPr lang="zh-CN" altLang="en-US" sz="2800" dirty="0">
+              <a:latin typeface="+mn-ea"/>
+              <a:cs typeface="+mn-ea"/>
+              <a:sym typeface="+mn-ea"/>
+            </a:endParaRPr>
           </a:p>
         </p:txBody>
       </p:sp>
@@ -7038,7 +6842,14 @@
         <p:cNvGrpSpPr/>
         <p:nvPr/>
       </p:nvGrpSpPr>
-      <p:grpSpPr/>
+      <p:grpSpPr>
+        <a:xfrm>
+          <a:off x="0" y="0"/>
+          <a:ext cx="0" cy="0"/>
+          <a:chOff x="0" y="0"/>
+          <a:chExt cx="0" cy="0"/>
+        </a:xfrm>
+      </p:grpSpPr>
       <p:sp>
         <p:nvSpPr>
           <p:cNvPr id="3" name="圆角矩形 2"/>
@@ -7075,6 +6886,7 @@
         </p:style>
         <p:txBody>
           <a:bodyPr rtlCol="0" anchor="ctr"/>
+          <a:lstStyle/>
           <a:p>
             <a:pPr algn="ctr"/>
             <a:endParaRPr lang="zh-CN" altLang="en-US"/>
@@ -7083,14 +6895,14 @@
       </p:sp>
       <p:sp>
         <p:nvSpPr>
-          <p:cNvPr id="9" name="文本框 8"/>
+          <p:cNvPr id="5" name="文本框 4"/>
           <p:cNvSpPr txBox="1"/>
           <p:nvPr/>
         </p:nvSpPr>
         <p:spPr>
           <a:xfrm>
-            <a:off x="8899525" y="285115"/>
-            <a:ext cx="2949575" cy="521970"/>
+            <a:off x="332105" y="1466850"/>
+            <a:ext cx="2959735" cy="521970"/>
           </a:xfrm>
           <a:prstGeom prst="rect">
             <a:avLst/>
@@ -7101,48 +6913,33 @@
           <a:bodyPr wrap="square" rtlCol="0">
             <a:spAutoFit/>
           </a:bodyPr>
-          <a:p>
-            <a:pPr lvl="0" algn="l"/>
-            <a:r>
-              <a:rPr lang="en-US" altLang="zh-CN" sz="2800">
-                <a:solidFill>
-                  <a:srgbClr val="FF0000"/>
-                </a:solidFill>
-                <a:latin typeface="+mn-ea"/>
-                <a:cs typeface="+mn-ea"/>
-                <a:sym typeface="+mn-ea"/>
-              </a:rPr>
-              <a:t>2  常用指令  </a:t>
-            </a:r>
+          <a:lstStyle/>
+          <a:p>
+            <a:pPr algn="l"/>
             <a:r>
               <a:rPr lang="zh-CN" altLang="en-US" sz="2800">
                 <a:solidFill>
-                  <a:srgbClr val="FF0000"/>
-                </a:solidFill>
-                <a:latin typeface="+mn-ea"/>
-                <a:cs typeface="+mn-ea"/>
-                <a:sym typeface="+mn-ea"/>
-              </a:rPr>
-              <a:t>组件</a:t>
-            </a:r>
-            <a:endParaRPr lang="zh-CN" altLang="en-US" sz="2800">
-              <a:latin typeface="+mn-ea"/>
-              <a:cs typeface="+mn-ea"/>
-              <a:sym typeface="+mn-ea"/>
-            </a:endParaRPr>
-          </a:p>
-        </p:txBody>
-      </p:sp>
-      <p:sp>
-        <p:nvSpPr>
-          <p:cNvPr id="5" name="文本框 4"/>
+                  <a:schemeClr val="bg1">
+                    <a:lumMod val="85000"/>
+                  </a:schemeClr>
+                </a:solidFill>
+                <a:effectLst/>
+              </a:rPr>
+              <a:t>静态</a:t>
+            </a:r>
+          </a:p>
+        </p:txBody>
+      </p:sp>
+      <p:sp>
+        <p:nvSpPr>
+          <p:cNvPr id="4" name="文本框 3"/>
           <p:cNvSpPr txBox="1"/>
           <p:nvPr/>
         </p:nvSpPr>
         <p:spPr>
           <a:xfrm>
-            <a:off x="332105" y="1466850"/>
-            <a:ext cx="2959735" cy="521970"/>
+            <a:off x="332105" y="2328545"/>
+            <a:ext cx="2564765" cy="521970"/>
           </a:xfrm>
           <a:prstGeom prst="rect">
             <a:avLst/>
@@ -7153,6 +6950,44 @@
           <a:bodyPr wrap="square" rtlCol="0">
             <a:spAutoFit/>
           </a:bodyPr>
+          <a:lstStyle/>
+          <a:p>
+            <a:pPr algn="l"/>
+            <a:r>
+              <a:rPr lang="zh-CN" altLang="en-US" sz="2800">
+                <a:solidFill>
+                  <a:schemeClr val="accent5">
+                    <a:lumMod val="75000"/>
+                  </a:schemeClr>
+                </a:solidFill>
+                <a:effectLst/>
+              </a:rPr>
+              <a:t>单向传值</a:t>
+            </a:r>
+          </a:p>
+        </p:txBody>
+      </p:sp>
+      <p:sp>
+        <p:nvSpPr>
+          <p:cNvPr id="6" name="文本框 5"/>
+          <p:cNvSpPr txBox="1"/>
+          <p:nvPr/>
+        </p:nvSpPr>
+        <p:spPr>
+          <a:xfrm>
+            <a:off x="332105" y="3190240"/>
+            <a:ext cx="2959735" cy="521970"/>
+          </a:xfrm>
+          <a:prstGeom prst="rect">
+            <a:avLst/>
+          </a:prstGeom>
+          <a:noFill/>
+        </p:spPr>
+        <p:txBody>
+          <a:bodyPr wrap="square" rtlCol="0">
+            <a:spAutoFit/>
+          </a:bodyPr>
+          <a:lstStyle/>
           <a:p>
             <a:pPr algn="l"/>
             <a:r>
@@ -7164,29 +6999,21 @@
                 </a:solidFill>
                 <a:effectLst/>
               </a:rPr>
-              <a:t>静态</a:t>
-            </a:r>
-            <a:endParaRPr lang="zh-CN" altLang="en-US" sz="2800">
-              <a:solidFill>
-                <a:schemeClr val="bg1">
-                  <a:lumMod val="85000"/>
-                </a:schemeClr>
-              </a:solidFill>
-              <a:effectLst/>
-            </a:endParaRPr>
-          </a:p>
-        </p:txBody>
-      </p:sp>
-      <p:sp>
-        <p:nvSpPr>
-          <p:cNvPr id="4" name="文本框 3"/>
+              <a:t>抛出事件</a:t>
+            </a:r>
+          </a:p>
+        </p:txBody>
+      </p:sp>
+      <p:sp>
+        <p:nvSpPr>
+          <p:cNvPr id="7" name="文本框 6"/>
           <p:cNvSpPr txBox="1"/>
           <p:nvPr/>
         </p:nvSpPr>
         <p:spPr>
           <a:xfrm>
-            <a:off x="332105" y="2328545"/>
-            <a:ext cx="2564765" cy="521970"/>
+            <a:off x="332105" y="4051935"/>
+            <a:ext cx="2959735" cy="521970"/>
           </a:xfrm>
           <a:prstGeom prst="rect">
             <a:avLst/>
@@ -7197,39 +7024,32 @@
           <a:bodyPr wrap="square" rtlCol="0">
             <a:spAutoFit/>
           </a:bodyPr>
+          <a:lstStyle/>
           <a:p>
             <a:pPr algn="l"/>
             <a:r>
               <a:rPr lang="zh-CN" altLang="en-US" sz="2800">
                 <a:solidFill>
-                  <a:schemeClr val="accent5">
-                    <a:lumMod val="75000"/>
+                  <a:schemeClr val="bg1">
+                    <a:lumMod val="85000"/>
                   </a:schemeClr>
                 </a:solidFill>
                 <a:effectLst/>
               </a:rPr>
-              <a:t>单向传值</a:t>
-            </a:r>
-            <a:endParaRPr lang="zh-CN" altLang="en-US" sz="2800">
-              <a:solidFill>
-                <a:schemeClr val="accent5">
-                  <a:lumMod val="75000"/>
-                </a:schemeClr>
-              </a:solidFill>
-              <a:effectLst/>
-            </a:endParaRPr>
-          </a:p>
-        </p:txBody>
-      </p:sp>
-      <p:sp>
-        <p:nvSpPr>
-          <p:cNvPr id="6" name="文本框 5"/>
+              <a:t>插槽</a:t>
+            </a:r>
+          </a:p>
+        </p:txBody>
+      </p:sp>
+      <p:sp>
+        <p:nvSpPr>
+          <p:cNvPr id="8" name="文本框 7"/>
           <p:cNvSpPr txBox="1"/>
           <p:nvPr/>
         </p:nvSpPr>
         <p:spPr>
           <a:xfrm>
-            <a:off x="332105" y="3190240"/>
+            <a:off x="332105" y="4913630"/>
             <a:ext cx="2959735" cy="521970"/>
           </a:xfrm>
           <a:prstGeom prst="rect">
@@ -7241,6 +7061,7 @@
           <a:bodyPr wrap="square" rtlCol="0">
             <a:spAutoFit/>
           </a:bodyPr>
+          <a:lstStyle/>
           <a:p>
             <a:pPr algn="l"/>
             <a:r>
@@ -7252,29 +7073,21 @@
                 </a:solidFill>
                 <a:effectLst/>
               </a:rPr>
-              <a:t>抛出事件</a:t>
-            </a:r>
-            <a:endParaRPr lang="zh-CN" altLang="en-US" sz="2800">
-              <a:solidFill>
-                <a:schemeClr val="bg1">
-                  <a:lumMod val="85000"/>
-                </a:schemeClr>
-              </a:solidFill>
-              <a:effectLst/>
-            </a:endParaRPr>
-          </a:p>
-        </p:txBody>
-      </p:sp>
-      <p:sp>
-        <p:nvSpPr>
-          <p:cNvPr id="7" name="文本框 6"/>
+              <a:t>传值插槽</a:t>
+            </a:r>
+          </a:p>
+        </p:txBody>
+      </p:sp>
+      <p:sp>
+        <p:nvSpPr>
+          <p:cNvPr id="11" name="文本框 10"/>
           <p:cNvSpPr txBox="1"/>
           <p:nvPr/>
         </p:nvSpPr>
         <p:spPr>
           <a:xfrm>
-            <a:off x="332105" y="4051935"/>
-            <a:ext cx="2959735" cy="521970"/>
+            <a:off x="2634615" y="1466850"/>
+            <a:ext cx="9018270" cy="953135"/>
           </a:xfrm>
           <a:prstGeom prst="rect">
             <a:avLst/>
@@ -7285,94 +7098,7 @@
           <a:bodyPr wrap="square" rtlCol="0">
             <a:spAutoFit/>
           </a:bodyPr>
-          <a:p>
-            <a:pPr algn="l"/>
-            <a:r>
-              <a:rPr lang="zh-CN" altLang="en-US" sz="2800">
-                <a:solidFill>
-                  <a:schemeClr val="bg1">
-                    <a:lumMod val="85000"/>
-                  </a:schemeClr>
-                </a:solidFill>
-                <a:effectLst/>
-              </a:rPr>
-              <a:t>插槽</a:t>
-            </a:r>
-            <a:endParaRPr lang="zh-CN" altLang="en-US" sz="2800">
-              <a:solidFill>
-                <a:schemeClr val="bg1">
-                  <a:lumMod val="85000"/>
-                </a:schemeClr>
-              </a:solidFill>
-              <a:effectLst/>
-            </a:endParaRPr>
-          </a:p>
-        </p:txBody>
-      </p:sp>
-      <p:sp>
-        <p:nvSpPr>
-          <p:cNvPr id="8" name="文本框 7"/>
-          <p:cNvSpPr txBox="1"/>
-          <p:nvPr/>
-        </p:nvSpPr>
-        <p:spPr>
-          <a:xfrm>
-            <a:off x="332105" y="4913630"/>
-            <a:ext cx="2959735" cy="521970"/>
-          </a:xfrm>
-          <a:prstGeom prst="rect">
-            <a:avLst/>
-          </a:prstGeom>
-          <a:noFill/>
-        </p:spPr>
-        <p:txBody>
-          <a:bodyPr wrap="square" rtlCol="0">
-            <a:spAutoFit/>
-          </a:bodyPr>
-          <a:p>
-            <a:pPr algn="l"/>
-            <a:r>
-              <a:rPr lang="zh-CN" altLang="en-US" sz="2800">
-                <a:solidFill>
-                  <a:schemeClr val="bg1">
-                    <a:lumMod val="85000"/>
-                  </a:schemeClr>
-                </a:solidFill>
-                <a:effectLst/>
-              </a:rPr>
-              <a:t>传值插槽</a:t>
-            </a:r>
-            <a:endParaRPr lang="zh-CN" altLang="en-US" sz="2800">
-              <a:solidFill>
-                <a:schemeClr val="bg1">
-                  <a:lumMod val="85000"/>
-                </a:schemeClr>
-              </a:solidFill>
-              <a:effectLst/>
-            </a:endParaRPr>
-          </a:p>
-        </p:txBody>
-      </p:sp>
-      <p:sp>
-        <p:nvSpPr>
-          <p:cNvPr id="11" name="文本框 10"/>
-          <p:cNvSpPr txBox="1"/>
-          <p:nvPr/>
-        </p:nvSpPr>
-        <p:spPr>
-          <a:xfrm>
-            <a:off x="2634615" y="1466850"/>
-            <a:ext cx="9018270" cy="953135"/>
-          </a:xfrm>
-          <a:prstGeom prst="rect">
-            <a:avLst/>
-          </a:prstGeom>
-          <a:noFill/>
-        </p:spPr>
-        <p:txBody>
-          <a:bodyPr wrap="square" rtlCol="0">
-            <a:spAutoFit/>
-          </a:bodyPr>
+          <a:lstStyle/>
           <a:p>
             <a:r>
               <a:rPr lang="zh-CN" altLang="en-US" sz="2800"/>
@@ -7394,7 +7120,6 @@
               <a:rPr lang="zh-CN" altLang="en-US" sz="2800"/>
               <a:t>进度条等，外观样式需要统一，但是渲染内容不同。</a:t>
             </a:r>
-            <a:endParaRPr lang="zh-CN" altLang="en-US" sz="2800"/>
           </a:p>
         </p:txBody>
       </p:sp>
@@ -7407,7 +7132,7 @@
           <p:nvPr/>
         </p:nvPicPr>
         <p:blipFill>
-          <a:blip r:embed="rId1"/>
+          <a:blip r:embed="rId2"/>
           <a:stretch>
             <a:fillRect/>
           </a:stretch>
@@ -7431,7 +7156,7 @@
           <p:nvPr/>
         </p:nvPicPr>
         <p:blipFill>
-          <a:blip r:embed="rId2"/>
+          <a:blip r:embed="rId3"/>
           <a:stretch>
             <a:fillRect/>
           </a:stretch>
@@ -7455,7 +7180,7 @@
           <p:nvPr/>
         </p:nvPicPr>
         <p:blipFill>
-          <a:blip r:embed="rId3"/>
+          <a:blip r:embed="rId4"/>
           <a:stretch>
             <a:fillRect/>
           </a:stretch>
@@ -7470,6 +7195,81 @@
           </a:prstGeom>
         </p:spPr>
       </p:pic>
+      <p:sp>
+        <p:nvSpPr>
+          <p:cNvPr id="15" name="文本框 8"/>
+          <p:cNvSpPr txBox="1"/>
+          <p:nvPr/>
+        </p:nvSpPr>
+        <p:spPr>
+          <a:xfrm>
+            <a:off x="8899525" y="285115"/>
+            <a:ext cx="2949575" cy="523220"/>
+          </a:xfrm>
+          <a:prstGeom prst="rect">
+            <a:avLst/>
+          </a:prstGeom>
+          <a:noFill/>
+        </p:spPr>
+        <p:txBody>
+          <a:bodyPr wrap="square" rtlCol="0">
+            <a:spAutoFit/>
+          </a:bodyPr>
+          <a:lstStyle/>
+          <a:p>
+            <a:pPr lvl="0" algn="l"/>
+            <a:r>
+              <a:rPr lang="en-US" altLang="zh-CN" sz="2800" dirty="0">
+                <a:solidFill>
+                  <a:srgbClr val="FF0000"/>
+                </a:solidFill>
+                <a:latin typeface="+mn-ea"/>
+                <a:cs typeface="+mn-ea"/>
+                <a:sym typeface="+mn-ea"/>
+              </a:rPr>
+              <a:t>2 </a:t>
+            </a:r>
+            <a:r>
+              <a:rPr lang="en-US" altLang="zh-CN" sz="2800" dirty="0" err="1" smtClean="0">
+                <a:solidFill>
+                  <a:srgbClr val="FF0000"/>
+                </a:solidFill>
+                <a:latin typeface="+mn-ea"/>
+                <a:cs typeface="+mn-ea"/>
+                <a:sym typeface="+mn-ea"/>
+              </a:rPr>
+              <a:t>常用指令</a:t>
+            </a:r>
+            <a:r>
+              <a:rPr lang="en-US" altLang="zh-CN" sz="2800" dirty="0" smtClean="0">
+                <a:solidFill>
+                  <a:srgbClr val="FF0000"/>
+                </a:solidFill>
+                <a:latin typeface="+mn-ea"/>
+                <a:cs typeface="+mn-ea"/>
+                <a:sym typeface="+mn-ea"/>
+              </a:rPr>
+              <a:t> </a:t>
+            </a:r>
+            <a:r>
+              <a:rPr lang="zh-CN" altLang="en-US" sz="2800" dirty="0" smtClean="0">
+                <a:solidFill>
+                  <a:srgbClr val="FF0000"/>
+                </a:solidFill>
+                <a:latin typeface="+mn-ea"/>
+                <a:cs typeface="+mn-ea"/>
+                <a:sym typeface="+mn-ea"/>
+              </a:rPr>
+              <a:t>组件</a:t>
+            </a:r>
+            <a:endParaRPr lang="zh-CN" altLang="en-US" sz="2800" dirty="0">
+              <a:latin typeface="+mn-ea"/>
+              <a:cs typeface="+mn-ea"/>
+              <a:sym typeface="+mn-ea"/>
+            </a:endParaRPr>
+          </a:p>
+        </p:txBody>
+      </p:sp>
     </p:spTree>
   </p:cSld>
   <p:clrMapOvr>
@@ -7729,9 +7529,11 @@
       </a:bgFillStyleLst>
     </a:fmtScheme>
   </a:themeElements>
+  <a:objectDefaults/>
+  <a:extraClrSchemeLst/>
   <a:extLst>
     <a:ext uri="{05A4C25C-085E-4340-85A3-A5531E510DB2}">
-      <thm15:themeFamily xmlns:thm15="http://schemas.microsoft.com/office/thememl/2012/main" name="Office Theme" id="{62F939B6-93AF-4DB8-9C6B-D6C7DFDC589F}" vid="{4A3C46E8-61CC-4603-A589-7422A47A8E4A}"/>
+      <thm15:themeFamily xmlns:thm15="http://schemas.microsoft.com/office/thememl/2012/main" xmlns="" name="Office Theme" id="{62F939B6-93AF-4DB8-9C6B-D6C7DFDC589F}" vid="{4A3C46E8-61CC-4603-A589-7422A47A8E4A}"/>
     </a:ext>
   </a:extLst>
 </a:theme>
